--- a/Abbildungen/wtfi_5_wahrscheinlichkeitstheorie_modell_beispiel.pptx
+++ b/Abbildungen/wtfi_5_wahrscheinlichkeitstheorie_modell_beispiel.pptx
@@ -2,12 +2,12 @@
 <file path=ppt/presentation.xml><?xml version="1.0" encoding="utf-8"?>
 <p:presentation xmlns:a="http://schemas.openxmlformats.org/drawingml/2006/main" xmlns:r="http://schemas.openxmlformats.org/officeDocument/2006/relationships" xmlns:p="http://schemas.openxmlformats.org/presentationml/2006/main" saveSubsetFonts="1">
   <p:sldMasterIdLst>
-    <p:sldMasterId id="2147483660" r:id="rId1"/>
+    <p:sldMasterId id="2147483696" r:id="rId1"/>
   </p:sldMasterIdLst>
   <p:sldIdLst>
     <p:sldId id="259" r:id="rId2"/>
   </p:sldIdLst>
-  <p:sldSz cx="9144000" cy="6858000" type="screen4x3"/>
+  <p:sldSz cx="8640763" cy="5400675"/>
   <p:notesSz cx="6889750" cy="10021888"/>
   <p:defaultTextStyle>
     <a:defPPr>
@@ -346,15 +346,15 @@
         </p:nvSpPr>
         <p:spPr>
           <a:xfrm>
-            <a:off x="685800" y="1122363"/>
-            <a:ext cx="7772400" cy="2387600"/>
+            <a:off x="1080096" y="883861"/>
+            <a:ext cx="6480572" cy="1880235"/>
           </a:xfrm>
         </p:spPr>
         <p:txBody>
           <a:bodyPr anchor="b"/>
           <a:lstStyle>
             <a:lvl1pPr algn="ctr">
-              <a:defRPr sz="6000"/>
+              <a:defRPr sz="4252"/>
             </a:lvl1pPr>
           </a:lstStyle>
           <a:p>
@@ -378,8 +378,8 @@
         </p:nvSpPr>
         <p:spPr>
           <a:xfrm>
-            <a:off x="1143000" y="3602038"/>
-            <a:ext cx="6858000" cy="1655762"/>
+            <a:off x="1080096" y="2836605"/>
+            <a:ext cx="6480572" cy="1303913"/>
           </a:xfrm>
         </p:spPr>
         <p:txBody>
@@ -387,39 +387,39 @@
           <a:lstStyle>
             <a:lvl1pPr marL="0" indent="0" algn="ctr">
               <a:buNone/>
-              <a:defRPr sz="2400"/>
+              <a:defRPr sz="1701"/>
             </a:lvl1pPr>
-            <a:lvl2pPr marL="457200" indent="0" algn="ctr">
-              <a:buNone/>
-              <a:defRPr sz="2000"/>
+            <a:lvl2pPr marL="324018" indent="0" algn="ctr">
+              <a:buNone/>
+              <a:defRPr sz="1417"/>
             </a:lvl2pPr>
-            <a:lvl3pPr marL="914400" indent="0" algn="ctr">
-              <a:buNone/>
-              <a:defRPr sz="1800"/>
+            <a:lvl3pPr marL="648035" indent="0" algn="ctr">
+              <a:buNone/>
+              <a:defRPr sz="1276"/>
             </a:lvl3pPr>
-            <a:lvl4pPr marL="1371600" indent="0" algn="ctr">
-              <a:buNone/>
-              <a:defRPr sz="1600"/>
+            <a:lvl4pPr marL="972053" indent="0" algn="ctr">
+              <a:buNone/>
+              <a:defRPr sz="1134"/>
             </a:lvl4pPr>
-            <a:lvl5pPr marL="1828800" indent="0" algn="ctr">
-              <a:buNone/>
-              <a:defRPr sz="1600"/>
+            <a:lvl5pPr marL="1296071" indent="0" algn="ctr">
+              <a:buNone/>
+              <a:defRPr sz="1134"/>
             </a:lvl5pPr>
-            <a:lvl6pPr marL="2286000" indent="0" algn="ctr">
-              <a:buNone/>
-              <a:defRPr sz="1600"/>
+            <a:lvl6pPr marL="1620088" indent="0" algn="ctr">
+              <a:buNone/>
+              <a:defRPr sz="1134"/>
             </a:lvl6pPr>
-            <a:lvl7pPr marL="2743200" indent="0" algn="ctr">
-              <a:buNone/>
-              <a:defRPr sz="1600"/>
+            <a:lvl7pPr marL="1944106" indent="0" algn="ctr">
+              <a:buNone/>
+              <a:defRPr sz="1134"/>
             </a:lvl7pPr>
-            <a:lvl8pPr marL="3200400" indent="0" algn="ctr">
-              <a:buNone/>
-              <a:defRPr sz="1600"/>
+            <a:lvl8pPr marL="2268123" indent="0" algn="ctr">
+              <a:buNone/>
+              <a:defRPr sz="1134"/>
             </a:lvl8pPr>
-            <a:lvl9pPr marL="3657600" indent="0" algn="ctr">
-              <a:buNone/>
-              <a:defRPr sz="1600"/>
+            <a:lvl9pPr marL="2592141" indent="0" algn="ctr">
+              <a:buNone/>
+              <a:defRPr sz="1134"/>
             </a:lvl9pPr>
           </a:lstStyle>
           <a:p>
@@ -448,7 +448,7 @@
           <a:p>
             <a:fld id="{2B41A6A7-50F4-463B-910E-CFAB06BEAEBD}" type="datetimeFigureOut">
               <a:rPr lang="de-DE" smtClean="0"/>
-              <a:t>08.11.2021</a:t>
+              <a:t>06.11.2022</a:t>
             </a:fld>
             <a:endParaRPr lang="de-DE"/>
           </a:p>
@@ -490,7 +490,7 @@
           <a:p>
             <a:fld id="{21F71EA9-8F64-41D2-B146-948977218CCE}" type="slidenum">
               <a:rPr lang="de-DE" smtClean="0"/>
-              <a:t>‹#›</a:t>
+              <a:t>‹Nr.›</a:t>
             </a:fld>
             <a:endParaRPr lang="de-DE"/>
           </a:p>
@@ -499,7 +499,7 @@
     </p:spTree>
     <p:extLst>
       <p:ext uri="{BB962C8B-B14F-4D97-AF65-F5344CB8AC3E}">
-        <p14:creationId xmlns:p14="http://schemas.microsoft.com/office/powerpoint/2010/main" val="2064830700"/>
+        <p14:creationId xmlns:p14="http://schemas.microsoft.com/office/powerpoint/2010/main" val="4115320868"/>
       </p:ext>
     </p:extLst>
   </p:cSld>
@@ -618,7 +618,7 @@
           <a:p>
             <a:fld id="{2B41A6A7-50F4-463B-910E-CFAB06BEAEBD}" type="datetimeFigureOut">
               <a:rPr lang="de-DE" smtClean="0"/>
-              <a:t>08.11.2021</a:t>
+              <a:t>06.11.2022</a:t>
             </a:fld>
             <a:endParaRPr lang="de-DE"/>
           </a:p>
@@ -660,7 +660,7 @@
           <a:p>
             <a:fld id="{21F71EA9-8F64-41D2-B146-948977218CCE}" type="slidenum">
               <a:rPr lang="de-DE" smtClean="0"/>
-              <a:t>‹#›</a:t>
+              <a:t>‹Nr.›</a:t>
             </a:fld>
             <a:endParaRPr lang="de-DE"/>
           </a:p>
@@ -669,7 +669,7 @@
     </p:spTree>
     <p:extLst>
       <p:ext uri="{BB962C8B-B14F-4D97-AF65-F5344CB8AC3E}">
-        <p14:creationId xmlns:p14="http://schemas.microsoft.com/office/powerpoint/2010/main" val="1513568239"/>
+        <p14:creationId xmlns:p14="http://schemas.microsoft.com/office/powerpoint/2010/main" val="3054651538"/>
       </p:ext>
     </p:extLst>
   </p:cSld>
@@ -708,8 +708,8 @@
         </p:nvSpPr>
         <p:spPr>
           <a:xfrm>
-            <a:off x="6543675" y="365125"/>
-            <a:ext cx="1971675" cy="5811838"/>
+            <a:off x="6183546" y="287536"/>
+            <a:ext cx="1863165" cy="4576822"/>
           </a:xfrm>
         </p:spPr>
         <p:txBody>
@@ -736,8 +736,8 @@
         </p:nvSpPr>
         <p:spPr>
           <a:xfrm>
-            <a:off x="628650" y="365125"/>
-            <a:ext cx="5800725" cy="5811838"/>
+            <a:off x="594052" y="287536"/>
+            <a:ext cx="5481484" cy="4576822"/>
           </a:xfrm>
         </p:spPr>
         <p:txBody>
@@ -798,7 +798,7 @@
           <a:p>
             <a:fld id="{2B41A6A7-50F4-463B-910E-CFAB06BEAEBD}" type="datetimeFigureOut">
               <a:rPr lang="de-DE" smtClean="0"/>
-              <a:t>08.11.2021</a:t>
+              <a:t>06.11.2022</a:t>
             </a:fld>
             <a:endParaRPr lang="de-DE"/>
           </a:p>
@@ -840,7 +840,7 @@
           <a:p>
             <a:fld id="{21F71EA9-8F64-41D2-B146-948977218CCE}" type="slidenum">
               <a:rPr lang="de-DE" smtClean="0"/>
-              <a:t>‹#›</a:t>
+              <a:t>‹Nr.›</a:t>
             </a:fld>
             <a:endParaRPr lang="de-DE"/>
           </a:p>
@@ -849,7 +849,7 @@
     </p:spTree>
     <p:extLst>
       <p:ext uri="{BB962C8B-B14F-4D97-AF65-F5344CB8AC3E}">
-        <p14:creationId xmlns:p14="http://schemas.microsoft.com/office/powerpoint/2010/main" val="3658906048"/>
+        <p14:creationId xmlns:p14="http://schemas.microsoft.com/office/powerpoint/2010/main" val="726723030"/>
       </p:ext>
     </p:extLst>
   </p:cSld>
@@ -968,7 +968,7 @@
           <a:p>
             <a:fld id="{2B41A6A7-50F4-463B-910E-CFAB06BEAEBD}" type="datetimeFigureOut">
               <a:rPr lang="de-DE" smtClean="0"/>
-              <a:t>08.11.2021</a:t>
+              <a:t>06.11.2022</a:t>
             </a:fld>
             <a:endParaRPr lang="de-DE"/>
           </a:p>
@@ -1010,7 +1010,7 @@
           <a:p>
             <a:fld id="{21F71EA9-8F64-41D2-B146-948977218CCE}" type="slidenum">
               <a:rPr lang="de-DE" smtClean="0"/>
-              <a:t>‹#›</a:t>
+              <a:t>‹Nr.›</a:t>
             </a:fld>
             <a:endParaRPr lang="de-DE"/>
           </a:p>
@@ -1019,7 +1019,7 @@
     </p:spTree>
     <p:extLst>
       <p:ext uri="{BB962C8B-B14F-4D97-AF65-F5344CB8AC3E}">
-        <p14:creationId xmlns:p14="http://schemas.microsoft.com/office/powerpoint/2010/main" val="1542560787"/>
+        <p14:creationId xmlns:p14="http://schemas.microsoft.com/office/powerpoint/2010/main" val="2986119709"/>
       </p:ext>
     </p:extLst>
   </p:cSld>
@@ -1058,15 +1058,15 @@
         </p:nvSpPr>
         <p:spPr>
           <a:xfrm>
-            <a:off x="623888" y="1709739"/>
-            <a:ext cx="7886700" cy="2852737"/>
+            <a:off x="589552" y="1346419"/>
+            <a:ext cx="7452658" cy="2246530"/>
           </a:xfrm>
         </p:spPr>
         <p:txBody>
           <a:bodyPr anchor="b"/>
           <a:lstStyle>
             <a:lvl1pPr>
-              <a:defRPr sz="6000"/>
+              <a:defRPr sz="4252"/>
             </a:lvl1pPr>
           </a:lstStyle>
           <a:p>
@@ -1090,8 +1090,8 @@
         </p:nvSpPr>
         <p:spPr>
           <a:xfrm>
-            <a:off x="623888" y="4589464"/>
-            <a:ext cx="7886700" cy="1500187"/>
+            <a:off x="589552" y="3614203"/>
+            <a:ext cx="7452658" cy="1181397"/>
           </a:xfrm>
         </p:spPr>
         <p:txBody>
@@ -1099,15 +1099,17 @@
           <a:lstStyle>
             <a:lvl1pPr marL="0" indent="0">
               <a:buNone/>
-              <a:defRPr sz="2400">
+              <a:defRPr sz="1701">
                 <a:solidFill>
-                  <a:schemeClr val="tx1"/>
+                  <a:schemeClr val="tx1">
+                    <a:tint val="75000"/>
+                  </a:schemeClr>
                 </a:solidFill>
               </a:defRPr>
             </a:lvl1pPr>
-            <a:lvl2pPr marL="457200" indent="0">
-              <a:buNone/>
-              <a:defRPr sz="2000">
+            <a:lvl2pPr marL="324018" indent="0">
+              <a:buNone/>
+              <a:defRPr sz="1417">
                 <a:solidFill>
                   <a:schemeClr val="tx1">
                     <a:tint val="75000"/>
@@ -1115,9 +1117,9 @@
                 </a:solidFill>
               </a:defRPr>
             </a:lvl2pPr>
-            <a:lvl3pPr marL="914400" indent="0">
-              <a:buNone/>
-              <a:defRPr sz="1800">
+            <a:lvl3pPr marL="648035" indent="0">
+              <a:buNone/>
+              <a:defRPr sz="1276">
                 <a:solidFill>
                   <a:schemeClr val="tx1">
                     <a:tint val="75000"/>
@@ -1125,9 +1127,9 @@
                 </a:solidFill>
               </a:defRPr>
             </a:lvl3pPr>
-            <a:lvl4pPr marL="1371600" indent="0">
-              <a:buNone/>
-              <a:defRPr sz="1600">
+            <a:lvl4pPr marL="972053" indent="0">
+              <a:buNone/>
+              <a:defRPr sz="1134">
                 <a:solidFill>
                   <a:schemeClr val="tx1">
                     <a:tint val="75000"/>
@@ -1135,9 +1137,9 @@
                 </a:solidFill>
               </a:defRPr>
             </a:lvl4pPr>
-            <a:lvl5pPr marL="1828800" indent="0">
-              <a:buNone/>
-              <a:defRPr sz="1600">
+            <a:lvl5pPr marL="1296071" indent="0">
+              <a:buNone/>
+              <a:defRPr sz="1134">
                 <a:solidFill>
                   <a:schemeClr val="tx1">
                     <a:tint val="75000"/>
@@ -1145,9 +1147,9 @@
                 </a:solidFill>
               </a:defRPr>
             </a:lvl5pPr>
-            <a:lvl6pPr marL="2286000" indent="0">
-              <a:buNone/>
-              <a:defRPr sz="1600">
+            <a:lvl6pPr marL="1620088" indent="0">
+              <a:buNone/>
+              <a:defRPr sz="1134">
                 <a:solidFill>
                   <a:schemeClr val="tx1">
                     <a:tint val="75000"/>
@@ -1155,9 +1157,9 @@
                 </a:solidFill>
               </a:defRPr>
             </a:lvl6pPr>
-            <a:lvl7pPr marL="2743200" indent="0">
-              <a:buNone/>
-              <a:defRPr sz="1600">
+            <a:lvl7pPr marL="1944106" indent="0">
+              <a:buNone/>
+              <a:defRPr sz="1134">
                 <a:solidFill>
                   <a:schemeClr val="tx1">
                     <a:tint val="75000"/>
@@ -1165,9 +1167,9 @@
                 </a:solidFill>
               </a:defRPr>
             </a:lvl7pPr>
-            <a:lvl8pPr marL="3200400" indent="0">
-              <a:buNone/>
-              <a:defRPr sz="1600">
+            <a:lvl8pPr marL="2268123" indent="0">
+              <a:buNone/>
+              <a:defRPr sz="1134">
                 <a:solidFill>
                   <a:schemeClr val="tx1">
                     <a:tint val="75000"/>
@@ -1175,9 +1177,9 @@
                 </a:solidFill>
               </a:defRPr>
             </a:lvl8pPr>
-            <a:lvl9pPr marL="3657600" indent="0">
-              <a:buNone/>
-              <a:defRPr sz="1600">
+            <a:lvl9pPr marL="2592141" indent="0">
+              <a:buNone/>
+              <a:defRPr sz="1134">
                 <a:solidFill>
                   <a:schemeClr val="tx1">
                     <a:tint val="75000"/>
@@ -1212,7 +1214,7 @@
           <a:p>
             <a:fld id="{2B41A6A7-50F4-463B-910E-CFAB06BEAEBD}" type="datetimeFigureOut">
               <a:rPr lang="de-DE" smtClean="0"/>
-              <a:t>08.11.2021</a:t>
+              <a:t>06.11.2022</a:t>
             </a:fld>
             <a:endParaRPr lang="de-DE"/>
           </a:p>
@@ -1254,7 +1256,7 @@
           <a:p>
             <a:fld id="{21F71EA9-8F64-41D2-B146-948977218CCE}" type="slidenum">
               <a:rPr lang="de-DE" smtClean="0"/>
-              <a:t>‹#›</a:t>
+              <a:t>‹Nr.›</a:t>
             </a:fld>
             <a:endParaRPr lang="de-DE"/>
           </a:p>
@@ -1263,7 +1265,7 @@
     </p:spTree>
     <p:extLst>
       <p:ext uri="{BB962C8B-B14F-4D97-AF65-F5344CB8AC3E}">
-        <p14:creationId xmlns:p14="http://schemas.microsoft.com/office/powerpoint/2010/main" val="2687056889"/>
+        <p14:creationId xmlns:p14="http://schemas.microsoft.com/office/powerpoint/2010/main" val="4164126930"/>
       </p:ext>
     </p:extLst>
   </p:cSld>
@@ -1325,8 +1327,8 @@
         </p:nvSpPr>
         <p:spPr>
           <a:xfrm>
-            <a:off x="628650" y="1825625"/>
-            <a:ext cx="3886200" cy="4351338"/>
+            <a:off x="594053" y="1437680"/>
+            <a:ext cx="3672324" cy="3426679"/>
           </a:xfrm>
         </p:spPr>
         <p:txBody>
@@ -1382,8 +1384,8 @@
         </p:nvSpPr>
         <p:spPr>
           <a:xfrm>
-            <a:off x="4629150" y="1825625"/>
-            <a:ext cx="3886200" cy="4351338"/>
+            <a:off x="4374386" y="1437680"/>
+            <a:ext cx="3672324" cy="3426679"/>
           </a:xfrm>
         </p:spPr>
         <p:txBody>
@@ -1444,7 +1446,7 @@
           <a:p>
             <a:fld id="{2B41A6A7-50F4-463B-910E-CFAB06BEAEBD}" type="datetimeFigureOut">
               <a:rPr lang="de-DE" smtClean="0"/>
-              <a:t>08.11.2021</a:t>
+              <a:t>06.11.2022</a:t>
             </a:fld>
             <a:endParaRPr lang="de-DE"/>
           </a:p>
@@ -1486,7 +1488,7 @@
           <a:p>
             <a:fld id="{21F71EA9-8F64-41D2-B146-948977218CCE}" type="slidenum">
               <a:rPr lang="de-DE" smtClean="0"/>
-              <a:t>‹#›</a:t>
+              <a:t>‹Nr.›</a:t>
             </a:fld>
             <a:endParaRPr lang="de-DE"/>
           </a:p>
@@ -1495,7 +1497,7 @@
     </p:spTree>
     <p:extLst>
       <p:ext uri="{BB962C8B-B14F-4D97-AF65-F5344CB8AC3E}">
-        <p14:creationId xmlns:p14="http://schemas.microsoft.com/office/powerpoint/2010/main" val="2727980474"/>
+        <p14:creationId xmlns:p14="http://schemas.microsoft.com/office/powerpoint/2010/main" val="3704563321"/>
       </p:ext>
     </p:extLst>
   </p:cSld>
@@ -1534,8 +1536,8 @@
         </p:nvSpPr>
         <p:spPr>
           <a:xfrm>
-            <a:off x="629841" y="365126"/>
-            <a:ext cx="7886700" cy="1325563"/>
+            <a:off x="595178" y="287536"/>
+            <a:ext cx="7452658" cy="1043881"/>
           </a:xfrm>
         </p:spPr>
         <p:txBody>
@@ -1562,8 +1564,8 @@
         </p:nvSpPr>
         <p:spPr>
           <a:xfrm>
-            <a:off x="629842" y="1681163"/>
-            <a:ext cx="3868340" cy="823912"/>
+            <a:off x="595178" y="1323916"/>
+            <a:ext cx="3655447" cy="648831"/>
           </a:xfrm>
         </p:spPr>
         <p:txBody>
@@ -1571,39 +1573,39 @@
           <a:lstStyle>
             <a:lvl1pPr marL="0" indent="0">
               <a:buNone/>
-              <a:defRPr sz="2400" b="1"/>
+              <a:defRPr sz="1701" b="1"/>
             </a:lvl1pPr>
-            <a:lvl2pPr marL="457200" indent="0">
-              <a:buNone/>
-              <a:defRPr sz="2000" b="1"/>
+            <a:lvl2pPr marL="324018" indent="0">
+              <a:buNone/>
+              <a:defRPr sz="1417" b="1"/>
             </a:lvl2pPr>
-            <a:lvl3pPr marL="914400" indent="0">
-              <a:buNone/>
-              <a:defRPr sz="1800" b="1"/>
+            <a:lvl3pPr marL="648035" indent="0">
+              <a:buNone/>
+              <a:defRPr sz="1276" b="1"/>
             </a:lvl3pPr>
-            <a:lvl4pPr marL="1371600" indent="0">
-              <a:buNone/>
-              <a:defRPr sz="1600" b="1"/>
+            <a:lvl4pPr marL="972053" indent="0">
+              <a:buNone/>
+              <a:defRPr sz="1134" b="1"/>
             </a:lvl4pPr>
-            <a:lvl5pPr marL="1828800" indent="0">
-              <a:buNone/>
-              <a:defRPr sz="1600" b="1"/>
+            <a:lvl5pPr marL="1296071" indent="0">
+              <a:buNone/>
+              <a:defRPr sz="1134" b="1"/>
             </a:lvl5pPr>
-            <a:lvl6pPr marL="2286000" indent="0">
-              <a:buNone/>
-              <a:defRPr sz="1600" b="1"/>
+            <a:lvl6pPr marL="1620088" indent="0">
+              <a:buNone/>
+              <a:defRPr sz="1134" b="1"/>
             </a:lvl6pPr>
-            <a:lvl7pPr marL="2743200" indent="0">
-              <a:buNone/>
-              <a:defRPr sz="1600" b="1"/>
+            <a:lvl7pPr marL="1944106" indent="0">
+              <a:buNone/>
+              <a:defRPr sz="1134" b="1"/>
             </a:lvl7pPr>
-            <a:lvl8pPr marL="3200400" indent="0">
-              <a:buNone/>
-              <a:defRPr sz="1600" b="1"/>
+            <a:lvl8pPr marL="2268123" indent="0">
+              <a:buNone/>
+              <a:defRPr sz="1134" b="1"/>
             </a:lvl8pPr>
-            <a:lvl9pPr marL="3657600" indent="0">
-              <a:buNone/>
-              <a:defRPr sz="1600" b="1"/>
+            <a:lvl9pPr marL="2592141" indent="0">
+              <a:buNone/>
+              <a:defRPr sz="1134" b="1"/>
             </a:lvl9pPr>
           </a:lstStyle>
           <a:p>
@@ -1627,8 +1629,8 @@
         </p:nvSpPr>
         <p:spPr>
           <a:xfrm>
-            <a:off x="629842" y="2505075"/>
-            <a:ext cx="3868340" cy="3684588"/>
+            <a:off x="595178" y="1972747"/>
+            <a:ext cx="3655447" cy="2901613"/>
           </a:xfrm>
         </p:spPr>
         <p:txBody>
@@ -1684,8 +1686,8 @@
         </p:nvSpPr>
         <p:spPr>
           <a:xfrm>
-            <a:off x="4629150" y="1681163"/>
-            <a:ext cx="3887391" cy="823912"/>
+            <a:off x="4374386" y="1323916"/>
+            <a:ext cx="3673450" cy="648831"/>
           </a:xfrm>
         </p:spPr>
         <p:txBody>
@@ -1693,39 +1695,39 @@
           <a:lstStyle>
             <a:lvl1pPr marL="0" indent="0">
               <a:buNone/>
-              <a:defRPr sz="2400" b="1"/>
+              <a:defRPr sz="1701" b="1"/>
             </a:lvl1pPr>
-            <a:lvl2pPr marL="457200" indent="0">
-              <a:buNone/>
-              <a:defRPr sz="2000" b="1"/>
+            <a:lvl2pPr marL="324018" indent="0">
+              <a:buNone/>
+              <a:defRPr sz="1417" b="1"/>
             </a:lvl2pPr>
-            <a:lvl3pPr marL="914400" indent="0">
-              <a:buNone/>
-              <a:defRPr sz="1800" b="1"/>
+            <a:lvl3pPr marL="648035" indent="0">
+              <a:buNone/>
+              <a:defRPr sz="1276" b="1"/>
             </a:lvl3pPr>
-            <a:lvl4pPr marL="1371600" indent="0">
-              <a:buNone/>
-              <a:defRPr sz="1600" b="1"/>
+            <a:lvl4pPr marL="972053" indent="0">
+              <a:buNone/>
+              <a:defRPr sz="1134" b="1"/>
             </a:lvl4pPr>
-            <a:lvl5pPr marL="1828800" indent="0">
-              <a:buNone/>
-              <a:defRPr sz="1600" b="1"/>
+            <a:lvl5pPr marL="1296071" indent="0">
+              <a:buNone/>
+              <a:defRPr sz="1134" b="1"/>
             </a:lvl5pPr>
-            <a:lvl6pPr marL="2286000" indent="0">
-              <a:buNone/>
-              <a:defRPr sz="1600" b="1"/>
+            <a:lvl6pPr marL="1620088" indent="0">
+              <a:buNone/>
+              <a:defRPr sz="1134" b="1"/>
             </a:lvl6pPr>
-            <a:lvl7pPr marL="2743200" indent="0">
-              <a:buNone/>
-              <a:defRPr sz="1600" b="1"/>
+            <a:lvl7pPr marL="1944106" indent="0">
+              <a:buNone/>
+              <a:defRPr sz="1134" b="1"/>
             </a:lvl7pPr>
-            <a:lvl8pPr marL="3200400" indent="0">
-              <a:buNone/>
-              <a:defRPr sz="1600" b="1"/>
+            <a:lvl8pPr marL="2268123" indent="0">
+              <a:buNone/>
+              <a:defRPr sz="1134" b="1"/>
             </a:lvl8pPr>
-            <a:lvl9pPr marL="3657600" indent="0">
-              <a:buNone/>
-              <a:defRPr sz="1600" b="1"/>
+            <a:lvl9pPr marL="2592141" indent="0">
+              <a:buNone/>
+              <a:defRPr sz="1134" b="1"/>
             </a:lvl9pPr>
           </a:lstStyle>
           <a:p>
@@ -1749,8 +1751,8 @@
         </p:nvSpPr>
         <p:spPr>
           <a:xfrm>
-            <a:off x="4629150" y="2505075"/>
-            <a:ext cx="3887391" cy="3684588"/>
+            <a:off x="4374386" y="1972747"/>
+            <a:ext cx="3673450" cy="2901613"/>
           </a:xfrm>
         </p:spPr>
         <p:txBody>
@@ -1811,7 +1813,7 @@
           <a:p>
             <a:fld id="{2B41A6A7-50F4-463B-910E-CFAB06BEAEBD}" type="datetimeFigureOut">
               <a:rPr lang="de-DE" smtClean="0"/>
-              <a:t>08.11.2021</a:t>
+              <a:t>06.11.2022</a:t>
             </a:fld>
             <a:endParaRPr lang="de-DE"/>
           </a:p>
@@ -1853,7 +1855,7 @@
           <a:p>
             <a:fld id="{21F71EA9-8F64-41D2-B146-948977218CCE}" type="slidenum">
               <a:rPr lang="de-DE" smtClean="0"/>
-              <a:t>‹#›</a:t>
+              <a:t>‹Nr.›</a:t>
             </a:fld>
             <a:endParaRPr lang="de-DE"/>
           </a:p>
@@ -1862,7 +1864,7 @@
     </p:spTree>
     <p:extLst>
       <p:ext uri="{BB962C8B-B14F-4D97-AF65-F5344CB8AC3E}">
-        <p14:creationId xmlns:p14="http://schemas.microsoft.com/office/powerpoint/2010/main" val="4169528209"/>
+        <p14:creationId xmlns:p14="http://schemas.microsoft.com/office/powerpoint/2010/main" val="760590677"/>
       </p:ext>
     </p:extLst>
   </p:cSld>
@@ -1929,7 +1931,7 @@
           <a:p>
             <a:fld id="{2B41A6A7-50F4-463B-910E-CFAB06BEAEBD}" type="datetimeFigureOut">
               <a:rPr lang="de-DE" smtClean="0"/>
-              <a:t>08.11.2021</a:t>
+              <a:t>06.11.2022</a:t>
             </a:fld>
             <a:endParaRPr lang="de-DE"/>
           </a:p>
@@ -1971,7 +1973,7 @@
           <a:p>
             <a:fld id="{21F71EA9-8F64-41D2-B146-948977218CCE}" type="slidenum">
               <a:rPr lang="de-DE" smtClean="0"/>
-              <a:t>‹#›</a:t>
+              <a:t>‹Nr.›</a:t>
             </a:fld>
             <a:endParaRPr lang="de-DE"/>
           </a:p>
@@ -1980,7 +1982,7 @@
     </p:spTree>
     <p:extLst>
       <p:ext uri="{BB962C8B-B14F-4D97-AF65-F5344CB8AC3E}">
-        <p14:creationId xmlns:p14="http://schemas.microsoft.com/office/powerpoint/2010/main" val="3858000894"/>
+        <p14:creationId xmlns:p14="http://schemas.microsoft.com/office/powerpoint/2010/main" val="1480428472"/>
       </p:ext>
     </p:extLst>
   </p:cSld>
@@ -2024,7 +2026,7 @@
           <a:p>
             <a:fld id="{2B41A6A7-50F4-463B-910E-CFAB06BEAEBD}" type="datetimeFigureOut">
               <a:rPr lang="de-DE" smtClean="0"/>
-              <a:t>08.11.2021</a:t>
+              <a:t>06.11.2022</a:t>
             </a:fld>
             <a:endParaRPr lang="de-DE"/>
           </a:p>
@@ -2066,7 +2068,7 @@
           <a:p>
             <a:fld id="{21F71EA9-8F64-41D2-B146-948977218CCE}" type="slidenum">
               <a:rPr lang="de-DE" smtClean="0"/>
-              <a:t>‹#›</a:t>
+              <a:t>‹Nr.›</a:t>
             </a:fld>
             <a:endParaRPr lang="de-DE"/>
           </a:p>
@@ -2075,7 +2077,7 @@
     </p:spTree>
     <p:extLst>
       <p:ext uri="{BB962C8B-B14F-4D97-AF65-F5344CB8AC3E}">
-        <p14:creationId xmlns:p14="http://schemas.microsoft.com/office/powerpoint/2010/main" val="2323922076"/>
+        <p14:creationId xmlns:p14="http://schemas.microsoft.com/office/powerpoint/2010/main" val="3056552249"/>
       </p:ext>
     </p:extLst>
   </p:cSld>
@@ -2114,15 +2116,15 @@
         </p:nvSpPr>
         <p:spPr>
           <a:xfrm>
-            <a:off x="629841" y="457200"/>
-            <a:ext cx="2949178" cy="1600200"/>
+            <a:off x="595178" y="360045"/>
+            <a:ext cx="2786871" cy="1260158"/>
           </a:xfrm>
         </p:spPr>
         <p:txBody>
           <a:bodyPr anchor="b"/>
           <a:lstStyle>
             <a:lvl1pPr>
-              <a:defRPr sz="3200"/>
+              <a:defRPr sz="2268"/>
             </a:lvl1pPr>
           </a:lstStyle>
           <a:p>
@@ -2146,39 +2148,39 @@
         </p:nvSpPr>
         <p:spPr>
           <a:xfrm>
-            <a:off x="3887391" y="987426"/>
-            <a:ext cx="4629150" cy="4873625"/>
+            <a:off x="3673450" y="777597"/>
+            <a:ext cx="4374386" cy="3837980"/>
           </a:xfrm>
         </p:spPr>
         <p:txBody>
           <a:bodyPr/>
           <a:lstStyle>
             <a:lvl1pPr>
-              <a:defRPr sz="3200"/>
+              <a:defRPr sz="2268"/>
             </a:lvl1pPr>
             <a:lvl2pPr>
-              <a:defRPr sz="2800"/>
+              <a:defRPr sz="1984"/>
             </a:lvl2pPr>
             <a:lvl3pPr>
-              <a:defRPr sz="2400"/>
+              <a:defRPr sz="1701"/>
             </a:lvl3pPr>
             <a:lvl4pPr>
-              <a:defRPr sz="2000"/>
+              <a:defRPr sz="1417"/>
             </a:lvl4pPr>
             <a:lvl5pPr>
-              <a:defRPr sz="2000"/>
+              <a:defRPr sz="1417"/>
             </a:lvl5pPr>
             <a:lvl6pPr>
-              <a:defRPr sz="2000"/>
+              <a:defRPr sz="1417"/>
             </a:lvl6pPr>
             <a:lvl7pPr>
-              <a:defRPr sz="2000"/>
+              <a:defRPr sz="1417"/>
             </a:lvl7pPr>
             <a:lvl8pPr>
-              <a:defRPr sz="2000"/>
+              <a:defRPr sz="1417"/>
             </a:lvl8pPr>
             <a:lvl9pPr>
-              <a:defRPr sz="2000"/>
+              <a:defRPr sz="1417"/>
             </a:lvl9pPr>
           </a:lstStyle>
           <a:p>
@@ -2231,8 +2233,8 @@
         </p:nvSpPr>
         <p:spPr>
           <a:xfrm>
-            <a:off x="629841" y="2057400"/>
-            <a:ext cx="2949178" cy="3811588"/>
+            <a:off x="595178" y="1620202"/>
+            <a:ext cx="2786871" cy="3001626"/>
           </a:xfrm>
         </p:spPr>
         <p:txBody>
@@ -2240,39 +2242,39 @@
           <a:lstStyle>
             <a:lvl1pPr marL="0" indent="0">
               <a:buNone/>
-              <a:defRPr sz="1600"/>
+              <a:defRPr sz="1134"/>
             </a:lvl1pPr>
-            <a:lvl2pPr marL="457200" indent="0">
-              <a:buNone/>
-              <a:defRPr sz="1400"/>
+            <a:lvl2pPr marL="324018" indent="0">
+              <a:buNone/>
+              <a:defRPr sz="992"/>
             </a:lvl2pPr>
-            <a:lvl3pPr marL="914400" indent="0">
-              <a:buNone/>
-              <a:defRPr sz="1200"/>
+            <a:lvl3pPr marL="648035" indent="0">
+              <a:buNone/>
+              <a:defRPr sz="850"/>
             </a:lvl3pPr>
-            <a:lvl4pPr marL="1371600" indent="0">
-              <a:buNone/>
-              <a:defRPr sz="1000"/>
+            <a:lvl4pPr marL="972053" indent="0">
+              <a:buNone/>
+              <a:defRPr sz="709"/>
             </a:lvl4pPr>
-            <a:lvl5pPr marL="1828800" indent="0">
-              <a:buNone/>
-              <a:defRPr sz="1000"/>
+            <a:lvl5pPr marL="1296071" indent="0">
+              <a:buNone/>
+              <a:defRPr sz="709"/>
             </a:lvl5pPr>
-            <a:lvl6pPr marL="2286000" indent="0">
-              <a:buNone/>
-              <a:defRPr sz="1000"/>
+            <a:lvl6pPr marL="1620088" indent="0">
+              <a:buNone/>
+              <a:defRPr sz="709"/>
             </a:lvl6pPr>
-            <a:lvl7pPr marL="2743200" indent="0">
-              <a:buNone/>
-              <a:defRPr sz="1000"/>
+            <a:lvl7pPr marL="1944106" indent="0">
+              <a:buNone/>
+              <a:defRPr sz="709"/>
             </a:lvl7pPr>
-            <a:lvl8pPr marL="3200400" indent="0">
-              <a:buNone/>
-              <a:defRPr sz="1000"/>
+            <a:lvl8pPr marL="2268123" indent="0">
+              <a:buNone/>
+              <a:defRPr sz="709"/>
             </a:lvl8pPr>
-            <a:lvl9pPr marL="3657600" indent="0">
-              <a:buNone/>
-              <a:defRPr sz="1000"/>
+            <a:lvl9pPr marL="2592141" indent="0">
+              <a:buNone/>
+              <a:defRPr sz="709"/>
             </a:lvl9pPr>
           </a:lstStyle>
           <a:p>
@@ -2301,7 +2303,7 @@
           <a:p>
             <a:fld id="{2B41A6A7-50F4-463B-910E-CFAB06BEAEBD}" type="datetimeFigureOut">
               <a:rPr lang="de-DE" smtClean="0"/>
-              <a:t>08.11.2021</a:t>
+              <a:t>06.11.2022</a:t>
             </a:fld>
             <a:endParaRPr lang="de-DE"/>
           </a:p>
@@ -2343,7 +2345,7 @@
           <a:p>
             <a:fld id="{21F71EA9-8F64-41D2-B146-948977218CCE}" type="slidenum">
               <a:rPr lang="de-DE" smtClean="0"/>
-              <a:t>‹#›</a:t>
+              <a:t>‹Nr.›</a:t>
             </a:fld>
             <a:endParaRPr lang="de-DE"/>
           </a:p>
@@ -2352,7 +2354,7 @@
     </p:spTree>
     <p:extLst>
       <p:ext uri="{BB962C8B-B14F-4D97-AF65-F5344CB8AC3E}">
-        <p14:creationId xmlns:p14="http://schemas.microsoft.com/office/powerpoint/2010/main" val="2835781205"/>
+        <p14:creationId xmlns:p14="http://schemas.microsoft.com/office/powerpoint/2010/main" val="493995864"/>
       </p:ext>
     </p:extLst>
   </p:cSld>
@@ -2391,15 +2393,15 @@
         </p:nvSpPr>
         <p:spPr>
           <a:xfrm>
-            <a:off x="629841" y="457200"/>
-            <a:ext cx="2949178" cy="1600200"/>
+            <a:off x="595178" y="360045"/>
+            <a:ext cx="2786871" cy="1260158"/>
           </a:xfrm>
         </p:spPr>
         <p:txBody>
           <a:bodyPr anchor="b"/>
           <a:lstStyle>
             <a:lvl1pPr>
-              <a:defRPr sz="3200"/>
+              <a:defRPr sz="2268"/>
             </a:lvl1pPr>
           </a:lstStyle>
           <a:p>
@@ -2423,8 +2425,8 @@
         </p:nvSpPr>
         <p:spPr>
           <a:xfrm>
-            <a:off x="3887391" y="987426"/>
-            <a:ext cx="4629150" cy="4873625"/>
+            <a:off x="3673450" y="777597"/>
+            <a:ext cx="4374386" cy="3837980"/>
           </a:xfrm>
         </p:spPr>
         <p:txBody>
@@ -2432,39 +2434,39 @@
           <a:lstStyle>
             <a:lvl1pPr marL="0" indent="0">
               <a:buNone/>
-              <a:defRPr sz="3200"/>
+              <a:defRPr sz="2268"/>
             </a:lvl1pPr>
-            <a:lvl2pPr marL="457200" indent="0">
-              <a:buNone/>
-              <a:defRPr sz="2800"/>
+            <a:lvl2pPr marL="324018" indent="0">
+              <a:buNone/>
+              <a:defRPr sz="1984"/>
             </a:lvl2pPr>
-            <a:lvl3pPr marL="914400" indent="0">
-              <a:buNone/>
-              <a:defRPr sz="2400"/>
+            <a:lvl3pPr marL="648035" indent="0">
+              <a:buNone/>
+              <a:defRPr sz="1701"/>
             </a:lvl3pPr>
-            <a:lvl4pPr marL="1371600" indent="0">
-              <a:buNone/>
-              <a:defRPr sz="2000"/>
+            <a:lvl4pPr marL="972053" indent="0">
+              <a:buNone/>
+              <a:defRPr sz="1417"/>
             </a:lvl4pPr>
-            <a:lvl5pPr marL="1828800" indent="0">
-              <a:buNone/>
-              <a:defRPr sz="2000"/>
+            <a:lvl5pPr marL="1296071" indent="0">
+              <a:buNone/>
+              <a:defRPr sz="1417"/>
             </a:lvl5pPr>
-            <a:lvl6pPr marL="2286000" indent="0">
-              <a:buNone/>
-              <a:defRPr sz="2000"/>
+            <a:lvl6pPr marL="1620088" indent="0">
+              <a:buNone/>
+              <a:defRPr sz="1417"/>
             </a:lvl6pPr>
-            <a:lvl7pPr marL="2743200" indent="0">
-              <a:buNone/>
-              <a:defRPr sz="2000"/>
+            <a:lvl7pPr marL="1944106" indent="0">
+              <a:buNone/>
+              <a:defRPr sz="1417"/>
             </a:lvl7pPr>
-            <a:lvl8pPr marL="3200400" indent="0">
-              <a:buNone/>
-              <a:defRPr sz="2000"/>
+            <a:lvl8pPr marL="2268123" indent="0">
+              <a:buNone/>
+              <a:defRPr sz="1417"/>
             </a:lvl8pPr>
-            <a:lvl9pPr marL="3657600" indent="0">
-              <a:buNone/>
-              <a:defRPr sz="2000"/>
+            <a:lvl9pPr marL="2592141" indent="0">
+              <a:buNone/>
+              <a:defRPr sz="1417"/>
             </a:lvl9pPr>
           </a:lstStyle>
           <a:p>
@@ -2488,8 +2490,8 @@
         </p:nvSpPr>
         <p:spPr>
           <a:xfrm>
-            <a:off x="629841" y="2057400"/>
-            <a:ext cx="2949178" cy="3811588"/>
+            <a:off x="595178" y="1620202"/>
+            <a:ext cx="2786871" cy="3001626"/>
           </a:xfrm>
         </p:spPr>
         <p:txBody>
@@ -2497,39 +2499,39 @@
           <a:lstStyle>
             <a:lvl1pPr marL="0" indent="0">
               <a:buNone/>
-              <a:defRPr sz="1600"/>
+              <a:defRPr sz="1134"/>
             </a:lvl1pPr>
-            <a:lvl2pPr marL="457200" indent="0">
-              <a:buNone/>
-              <a:defRPr sz="1400"/>
+            <a:lvl2pPr marL="324018" indent="0">
+              <a:buNone/>
+              <a:defRPr sz="992"/>
             </a:lvl2pPr>
-            <a:lvl3pPr marL="914400" indent="0">
-              <a:buNone/>
-              <a:defRPr sz="1200"/>
+            <a:lvl3pPr marL="648035" indent="0">
+              <a:buNone/>
+              <a:defRPr sz="850"/>
             </a:lvl3pPr>
-            <a:lvl4pPr marL="1371600" indent="0">
-              <a:buNone/>
-              <a:defRPr sz="1000"/>
+            <a:lvl4pPr marL="972053" indent="0">
+              <a:buNone/>
+              <a:defRPr sz="709"/>
             </a:lvl4pPr>
-            <a:lvl5pPr marL="1828800" indent="0">
-              <a:buNone/>
-              <a:defRPr sz="1000"/>
+            <a:lvl5pPr marL="1296071" indent="0">
+              <a:buNone/>
+              <a:defRPr sz="709"/>
             </a:lvl5pPr>
-            <a:lvl6pPr marL="2286000" indent="0">
-              <a:buNone/>
-              <a:defRPr sz="1000"/>
+            <a:lvl6pPr marL="1620088" indent="0">
+              <a:buNone/>
+              <a:defRPr sz="709"/>
             </a:lvl6pPr>
-            <a:lvl7pPr marL="2743200" indent="0">
-              <a:buNone/>
-              <a:defRPr sz="1000"/>
+            <a:lvl7pPr marL="1944106" indent="0">
+              <a:buNone/>
+              <a:defRPr sz="709"/>
             </a:lvl7pPr>
-            <a:lvl8pPr marL="3200400" indent="0">
-              <a:buNone/>
-              <a:defRPr sz="1000"/>
+            <a:lvl8pPr marL="2268123" indent="0">
+              <a:buNone/>
+              <a:defRPr sz="709"/>
             </a:lvl8pPr>
-            <a:lvl9pPr marL="3657600" indent="0">
-              <a:buNone/>
-              <a:defRPr sz="1000"/>
+            <a:lvl9pPr marL="2592141" indent="0">
+              <a:buNone/>
+              <a:defRPr sz="709"/>
             </a:lvl9pPr>
           </a:lstStyle>
           <a:p>
@@ -2558,7 +2560,7 @@
           <a:p>
             <a:fld id="{2B41A6A7-50F4-463B-910E-CFAB06BEAEBD}" type="datetimeFigureOut">
               <a:rPr lang="de-DE" smtClean="0"/>
-              <a:t>08.11.2021</a:t>
+              <a:t>06.11.2022</a:t>
             </a:fld>
             <a:endParaRPr lang="de-DE"/>
           </a:p>
@@ -2600,7 +2602,7 @@
           <a:p>
             <a:fld id="{21F71EA9-8F64-41D2-B146-948977218CCE}" type="slidenum">
               <a:rPr lang="de-DE" smtClean="0"/>
-              <a:t>‹#›</a:t>
+              <a:t>‹Nr.›</a:t>
             </a:fld>
             <a:endParaRPr lang="de-DE"/>
           </a:p>
@@ -2609,7 +2611,7 @@
     </p:spTree>
     <p:extLst>
       <p:ext uri="{BB962C8B-B14F-4D97-AF65-F5344CB8AC3E}">
-        <p14:creationId xmlns:p14="http://schemas.microsoft.com/office/powerpoint/2010/main" val="3627462895"/>
+        <p14:creationId xmlns:p14="http://schemas.microsoft.com/office/powerpoint/2010/main" val="4112339711"/>
       </p:ext>
     </p:extLst>
   </p:cSld>
@@ -2653,8 +2655,8 @@
         </p:nvSpPr>
         <p:spPr>
           <a:xfrm>
-            <a:off x="628650" y="365126"/>
-            <a:ext cx="7886700" cy="1325563"/>
+            <a:off x="594053" y="287536"/>
+            <a:ext cx="7452658" cy="1043881"/>
           </a:xfrm>
           <a:prstGeom prst="rect">
             <a:avLst/>
@@ -2686,8 +2688,8 @@
         </p:nvSpPr>
         <p:spPr>
           <a:xfrm>
-            <a:off x="628650" y="1825625"/>
-            <a:ext cx="7886700" cy="4351338"/>
+            <a:off x="594053" y="1437680"/>
+            <a:ext cx="7452658" cy="3426679"/>
           </a:xfrm>
           <a:prstGeom prst="rect">
             <a:avLst/>
@@ -2748,8 +2750,8 @@
         </p:nvSpPr>
         <p:spPr>
           <a:xfrm>
-            <a:off x="628650" y="6356351"/>
-            <a:ext cx="2057400" cy="365125"/>
+            <a:off x="594052" y="5005626"/>
+            <a:ext cx="1944172" cy="287536"/>
           </a:xfrm>
           <a:prstGeom prst="rect">
             <a:avLst/>
@@ -2759,7 +2761,7 @@
           <a:bodyPr vert="horz" lIns="91440" tIns="45720" rIns="91440" bIns="45720" rtlCol="0" anchor="ctr"/>
           <a:lstStyle>
             <a:lvl1pPr algn="l">
-              <a:defRPr sz="1200">
+              <a:defRPr sz="850">
                 <a:solidFill>
                   <a:schemeClr val="tx1">
                     <a:tint val="75000"/>
@@ -2771,7 +2773,7 @@
           <a:p>
             <a:fld id="{2B41A6A7-50F4-463B-910E-CFAB06BEAEBD}" type="datetimeFigureOut">
               <a:rPr lang="de-DE" smtClean="0"/>
-              <a:t>08.11.2021</a:t>
+              <a:t>06.11.2022</a:t>
             </a:fld>
             <a:endParaRPr lang="de-DE"/>
           </a:p>
@@ -2789,8 +2791,8 @@
         </p:nvSpPr>
         <p:spPr>
           <a:xfrm>
-            <a:off x="3028950" y="6356351"/>
-            <a:ext cx="3086100" cy="365125"/>
+            <a:off x="2862253" y="5005626"/>
+            <a:ext cx="2916258" cy="287536"/>
           </a:xfrm>
           <a:prstGeom prst="rect">
             <a:avLst/>
@@ -2800,7 +2802,7 @@
           <a:bodyPr vert="horz" lIns="91440" tIns="45720" rIns="91440" bIns="45720" rtlCol="0" anchor="ctr"/>
           <a:lstStyle>
             <a:lvl1pPr algn="ctr">
-              <a:defRPr sz="1200">
+              <a:defRPr sz="850">
                 <a:solidFill>
                   <a:schemeClr val="tx1">
                     <a:tint val="75000"/>
@@ -2826,8 +2828,8 @@
         </p:nvSpPr>
         <p:spPr>
           <a:xfrm>
-            <a:off x="6457950" y="6356351"/>
-            <a:ext cx="2057400" cy="365125"/>
+            <a:off x="6102539" y="5005626"/>
+            <a:ext cx="1944172" cy="287536"/>
           </a:xfrm>
           <a:prstGeom prst="rect">
             <a:avLst/>
@@ -2837,7 +2839,7 @@
           <a:bodyPr vert="horz" lIns="91440" tIns="45720" rIns="91440" bIns="45720" rtlCol="0" anchor="ctr"/>
           <a:lstStyle>
             <a:lvl1pPr algn="r">
-              <a:defRPr sz="1200">
+              <a:defRPr sz="850">
                 <a:solidFill>
                   <a:schemeClr val="tx1">
                     <a:tint val="75000"/>
@@ -2849,7 +2851,7 @@
           <a:p>
             <a:fld id="{21F71EA9-8F64-41D2-B146-948977218CCE}" type="slidenum">
               <a:rPr lang="de-DE" smtClean="0"/>
-              <a:t>‹#›</a:t>
+              <a:t>‹Nr.›</a:t>
             </a:fld>
             <a:endParaRPr lang="de-DE"/>
           </a:p>
@@ -2858,27 +2860,27 @@
     </p:spTree>
     <p:extLst>
       <p:ext uri="{BB962C8B-B14F-4D97-AF65-F5344CB8AC3E}">
-        <p14:creationId xmlns:p14="http://schemas.microsoft.com/office/powerpoint/2010/main" val="4069237749"/>
+        <p14:creationId xmlns:p14="http://schemas.microsoft.com/office/powerpoint/2010/main" val="1050457929"/>
       </p:ext>
     </p:extLst>
   </p:cSld>
   <p:clrMap bg1="lt1" tx1="dk1" bg2="lt2" tx2="dk2" accent1="accent1" accent2="accent2" accent3="accent3" accent4="accent4" accent5="accent5" accent6="accent6" hlink="hlink" folHlink="folHlink"/>
   <p:sldLayoutIdLst>
-    <p:sldLayoutId id="2147483661" r:id="rId1"/>
-    <p:sldLayoutId id="2147483662" r:id="rId2"/>
-    <p:sldLayoutId id="2147483663" r:id="rId3"/>
-    <p:sldLayoutId id="2147483664" r:id="rId4"/>
-    <p:sldLayoutId id="2147483665" r:id="rId5"/>
-    <p:sldLayoutId id="2147483666" r:id="rId6"/>
-    <p:sldLayoutId id="2147483667" r:id="rId7"/>
-    <p:sldLayoutId id="2147483668" r:id="rId8"/>
-    <p:sldLayoutId id="2147483669" r:id="rId9"/>
-    <p:sldLayoutId id="2147483670" r:id="rId10"/>
-    <p:sldLayoutId id="2147483671" r:id="rId11"/>
+    <p:sldLayoutId id="2147483697" r:id="rId1"/>
+    <p:sldLayoutId id="2147483698" r:id="rId2"/>
+    <p:sldLayoutId id="2147483699" r:id="rId3"/>
+    <p:sldLayoutId id="2147483700" r:id="rId4"/>
+    <p:sldLayoutId id="2147483701" r:id="rId5"/>
+    <p:sldLayoutId id="2147483702" r:id="rId6"/>
+    <p:sldLayoutId id="2147483703" r:id="rId7"/>
+    <p:sldLayoutId id="2147483704" r:id="rId8"/>
+    <p:sldLayoutId id="2147483705" r:id="rId9"/>
+    <p:sldLayoutId id="2147483706" r:id="rId10"/>
+    <p:sldLayoutId id="2147483707" r:id="rId11"/>
   </p:sldLayoutIdLst>
   <p:txStyles>
     <p:titleStyle>
-      <a:lvl1pPr algn="l" defTabSz="914400" rtl="0" eaLnBrk="1" latinLnBrk="0" hangingPunct="1">
+      <a:lvl1pPr algn="l" defTabSz="648035" rtl="0" eaLnBrk="1" latinLnBrk="0" hangingPunct="1">
         <a:lnSpc>
           <a:spcPct val="90000"/>
         </a:lnSpc>
@@ -2886,7 +2888,7 @@
           <a:spcPct val="0"/>
         </a:spcBef>
         <a:buNone/>
-        <a:defRPr sz="4400" kern="1200">
+        <a:defRPr sz="3118" kern="1200">
           <a:solidFill>
             <a:schemeClr val="tx1"/>
           </a:solidFill>
@@ -2897,16 +2899,16 @@
       </a:lvl1pPr>
     </p:titleStyle>
     <p:bodyStyle>
-      <a:lvl1pPr marL="228600" indent="-228600" algn="l" defTabSz="914400" rtl="0" eaLnBrk="1" latinLnBrk="0" hangingPunct="1">
+      <a:lvl1pPr marL="162009" indent="-162009" algn="l" defTabSz="648035" rtl="0" eaLnBrk="1" latinLnBrk="0" hangingPunct="1">
         <a:lnSpc>
           <a:spcPct val="90000"/>
         </a:lnSpc>
         <a:spcBef>
-          <a:spcPts val="1000"/>
+          <a:spcPts val="709"/>
         </a:spcBef>
         <a:buFont typeface="Arial" panose="020B0604020202020204" pitchFamily="34" charset="0"/>
         <a:buChar char="•"/>
-        <a:defRPr sz="2800" kern="1200">
+        <a:defRPr sz="1984" kern="1200">
           <a:solidFill>
             <a:schemeClr val="tx1"/>
           </a:solidFill>
@@ -2915,16 +2917,16 @@
           <a:cs typeface="+mn-cs"/>
         </a:defRPr>
       </a:lvl1pPr>
-      <a:lvl2pPr marL="685800" indent="-228600" algn="l" defTabSz="914400" rtl="0" eaLnBrk="1" latinLnBrk="0" hangingPunct="1">
+      <a:lvl2pPr marL="486026" indent="-162009" algn="l" defTabSz="648035" rtl="0" eaLnBrk="1" latinLnBrk="0" hangingPunct="1">
         <a:lnSpc>
           <a:spcPct val="90000"/>
         </a:lnSpc>
         <a:spcBef>
-          <a:spcPts val="500"/>
+          <a:spcPts val="354"/>
         </a:spcBef>
         <a:buFont typeface="Arial" panose="020B0604020202020204" pitchFamily="34" charset="0"/>
         <a:buChar char="•"/>
-        <a:defRPr sz="2400" kern="1200">
+        <a:defRPr sz="1701" kern="1200">
           <a:solidFill>
             <a:schemeClr val="tx1"/>
           </a:solidFill>
@@ -2933,16 +2935,16 @@
           <a:cs typeface="+mn-cs"/>
         </a:defRPr>
       </a:lvl2pPr>
-      <a:lvl3pPr marL="1143000" indent="-228600" algn="l" defTabSz="914400" rtl="0" eaLnBrk="1" latinLnBrk="0" hangingPunct="1">
+      <a:lvl3pPr marL="810044" indent="-162009" algn="l" defTabSz="648035" rtl="0" eaLnBrk="1" latinLnBrk="0" hangingPunct="1">
         <a:lnSpc>
           <a:spcPct val="90000"/>
         </a:lnSpc>
         <a:spcBef>
-          <a:spcPts val="500"/>
+          <a:spcPts val="354"/>
         </a:spcBef>
         <a:buFont typeface="Arial" panose="020B0604020202020204" pitchFamily="34" charset="0"/>
         <a:buChar char="•"/>
-        <a:defRPr sz="2000" kern="1200">
+        <a:defRPr sz="1417" kern="1200">
           <a:solidFill>
             <a:schemeClr val="tx1"/>
           </a:solidFill>
@@ -2951,16 +2953,16 @@
           <a:cs typeface="+mn-cs"/>
         </a:defRPr>
       </a:lvl3pPr>
-      <a:lvl4pPr marL="1600200" indent="-228600" algn="l" defTabSz="914400" rtl="0" eaLnBrk="1" latinLnBrk="0" hangingPunct="1">
+      <a:lvl4pPr marL="1134062" indent="-162009" algn="l" defTabSz="648035" rtl="0" eaLnBrk="1" latinLnBrk="0" hangingPunct="1">
         <a:lnSpc>
           <a:spcPct val="90000"/>
         </a:lnSpc>
         <a:spcBef>
-          <a:spcPts val="500"/>
+          <a:spcPts val="354"/>
         </a:spcBef>
         <a:buFont typeface="Arial" panose="020B0604020202020204" pitchFamily="34" charset="0"/>
         <a:buChar char="•"/>
-        <a:defRPr sz="1800" kern="1200">
+        <a:defRPr sz="1276" kern="1200">
           <a:solidFill>
             <a:schemeClr val="tx1"/>
           </a:solidFill>
@@ -2969,16 +2971,16 @@
           <a:cs typeface="+mn-cs"/>
         </a:defRPr>
       </a:lvl4pPr>
-      <a:lvl5pPr marL="2057400" indent="-228600" algn="l" defTabSz="914400" rtl="0" eaLnBrk="1" latinLnBrk="0" hangingPunct="1">
+      <a:lvl5pPr marL="1458079" indent="-162009" algn="l" defTabSz="648035" rtl="0" eaLnBrk="1" latinLnBrk="0" hangingPunct="1">
         <a:lnSpc>
           <a:spcPct val="90000"/>
         </a:lnSpc>
         <a:spcBef>
-          <a:spcPts val="500"/>
+          <a:spcPts val="354"/>
         </a:spcBef>
         <a:buFont typeface="Arial" panose="020B0604020202020204" pitchFamily="34" charset="0"/>
         <a:buChar char="•"/>
-        <a:defRPr sz="1800" kern="1200">
+        <a:defRPr sz="1276" kern="1200">
           <a:solidFill>
             <a:schemeClr val="tx1"/>
           </a:solidFill>
@@ -2987,16 +2989,16 @@
           <a:cs typeface="+mn-cs"/>
         </a:defRPr>
       </a:lvl5pPr>
-      <a:lvl6pPr marL="2514600" indent="-228600" algn="l" defTabSz="914400" rtl="0" eaLnBrk="1" latinLnBrk="0" hangingPunct="1">
+      <a:lvl6pPr marL="1782097" indent="-162009" algn="l" defTabSz="648035" rtl="0" eaLnBrk="1" latinLnBrk="0" hangingPunct="1">
         <a:lnSpc>
           <a:spcPct val="90000"/>
         </a:lnSpc>
         <a:spcBef>
-          <a:spcPts val="500"/>
+          <a:spcPts val="354"/>
         </a:spcBef>
         <a:buFont typeface="Arial" panose="020B0604020202020204" pitchFamily="34" charset="0"/>
         <a:buChar char="•"/>
-        <a:defRPr sz="1800" kern="1200">
+        <a:defRPr sz="1276" kern="1200">
           <a:solidFill>
             <a:schemeClr val="tx1"/>
           </a:solidFill>
@@ -3005,16 +3007,16 @@
           <a:cs typeface="+mn-cs"/>
         </a:defRPr>
       </a:lvl6pPr>
-      <a:lvl7pPr marL="2971800" indent="-228600" algn="l" defTabSz="914400" rtl="0" eaLnBrk="1" latinLnBrk="0" hangingPunct="1">
+      <a:lvl7pPr marL="2106115" indent="-162009" algn="l" defTabSz="648035" rtl="0" eaLnBrk="1" latinLnBrk="0" hangingPunct="1">
         <a:lnSpc>
           <a:spcPct val="90000"/>
         </a:lnSpc>
         <a:spcBef>
-          <a:spcPts val="500"/>
+          <a:spcPts val="354"/>
         </a:spcBef>
         <a:buFont typeface="Arial" panose="020B0604020202020204" pitchFamily="34" charset="0"/>
         <a:buChar char="•"/>
-        <a:defRPr sz="1800" kern="1200">
+        <a:defRPr sz="1276" kern="1200">
           <a:solidFill>
             <a:schemeClr val="tx1"/>
           </a:solidFill>
@@ -3023,16 +3025,16 @@
           <a:cs typeface="+mn-cs"/>
         </a:defRPr>
       </a:lvl7pPr>
-      <a:lvl8pPr marL="3429000" indent="-228600" algn="l" defTabSz="914400" rtl="0" eaLnBrk="1" latinLnBrk="0" hangingPunct="1">
+      <a:lvl8pPr marL="2430132" indent="-162009" algn="l" defTabSz="648035" rtl="0" eaLnBrk="1" latinLnBrk="0" hangingPunct="1">
         <a:lnSpc>
           <a:spcPct val="90000"/>
         </a:lnSpc>
         <a:spcBef>
-          <a:spcPts val="500"/>
+          <a:spcPts val="354"/>
         </a:spcBef>
         <a:buFont typeface="Arial" panose="020B0604020202020204" pitchFamily="34" charset="0"/>
         <a:buChar char="•"/>
-        <a:defRPr sz="1800" kern="1200">
+        <a:defRPr sz="1276" kern="1200">
           <a:solidFill>
             <a:schemeClr val="tx1"/>
           </a:solidFill>
@@ -3041,16 +3043,16 @@
           <a:cs typeface="+mn-cs"/>
         </a:defRPr>
       </a:lvl8pPr>
-      <a:lvl9pPr marL="3886200" indent="-228600" algn="l" defTabSz="914400" rtl="0" eaLnBrk="1" latinLnBrk="0" hangingPunct="1">
+      <a:lvl9pPr marL="2754150" indent="-162009" algn="l" defTabSz="648035" rtl="0" eaLnBrk="1" latinLnBrk="0" hangingPunct="1">
         <a:lnSpc>
           <a:spcPct val="90000"/>
         </a:lnSpc>
         <a:spcBef>
-          <a:spcPts val="500"/>
+          <a:spcPts val="354"/>
         </a:spcBef>
         <a:buFont typeface="Arial" panose="020B0604020202020204" pitchFamily="34" charset="0"/>
         <a:buChar char="•"/>
-        <a:defRPr sz="1800" kern="1200">
+        <a:defRPr sz="1276" kern="1200">
           <a:solidFill>
             <a:schemeClr val="tx1"/>
           </a:solidFill>
@@ -3064,8 +3066,8 @@
       <a:defPPr>
         <a:defRPr lang="en-US"/>
       </a:defPPr>
-      <a:lvl1pPr marL="0" algn="l" defTabSz="914400" rtl="0" eaLnBrk="1" latinLnBrk="0" hangingPunct="1">
-        <a:defRPr sz="1800" kern="1200">
+      <a:lvl1pPr marL="0" algn="l" defTabSz="648035" rtl="0" eaLnBrk="1" latinLnBrk="0" hangingPunct="1">
+        <a:defRPr sz="1276" kern="1200">
           <a:solidFill>
             <a:schemeClr val="tx1"/>
           </a:solidFill>
@@ -3074,8 +3076,8 @@
           <a:cs typeface="+mn-cs"/>
         </a:defRPr>
       </a:lvl1pPr>
-      <a:lvl2pPr marL="457200" algn="l" defTabSz="914400" rtl="0" eaLnBrk="1" latinLnBrk="0" hangingPunct="1">
-        <a:defRPr sz="1800" kern="1200">
+      <a:lvl2pPr marL="324018" algn="l" defTabSz="648035" rtl="0" eaLnBrk="1" latinLnBrk="0" hangingPunct="1">
+        <a:defRPr sz="1276" kern="1200">
           <a:solidFill>
             <a:schemeClr val="tx1"/>
           </a:solidFill>
@@ -3084,8 +3086,8 @@
           <a:cs typeface="+mn-cs"/>
         </a:defRPr>
       </a:lvl2pPr>
-      <a:lvl3pPr marL="914400" algn="l" defTabSz="914400" rtl="0" eaLnBrk="1" latinLnBrk="0" hangingPunct="1">
-        <a:defRPr sz="1800" kern="1200">
+      <a:lvl3pPr marL="648035" algn="l" defTabSz="648035" rtl="0" eaLnBrk="1" latinLnBrk="0" hangingPunct="1">
+        <a:defRPr sz="1276" kern="1200">
           <a:solidFill>
             <a:schemeClr val="tx1"/>
           </a:solidFill>
@@ -3094,8 +3096,8 @@
           <a:cs typeface="+mn-cs"/>
         </a:defRPr>
       </a:lvl3pPr>
-      <a:lvl4pPr marL="1371600" algn="l" defTabSz="914400" rtl="0" eaLnBrk="1" latinLnBrk="0" hangingPunct="1">
-        <a:defRPr sz="1800" kern="1200">
+      <a:lvl4pPr marL="972053" algn="l" defTabSz="648035" rtl="0" eaLnBrk="1" latinLnBrk="0" hangingPunct="1">
+        <a:defRPr sz="1276" kern="1200">
           <a:solidFill>
             <a:schemeClr val="tx1"/>
           </a:solidFill>
@@ -3104,8 +3106,8 @@
           <a:cs typeface="+mn-cs"/>
         </a:defRPr>
       </a:lvl4pPr>
-      <a:lvl5pPr marL="1828800" algn="l" defTabSz="914400" rtl="0" eaLnBrk="1" latinLnBrk="0" hangingPunct="1">
-        <a:defRPr sz="1800" kern="1200">
+      <a:lvl5pPr marL="1296071" algn="l" defTabSz="648035" rtl="0" eaLnBrk="1" latinLnBrk="0" hangingPunct="1">
+        <a:defRPr sz="1276" kern="1200">
           <a:solidFill>
             <a:schemeClr val="tx1"/>
           </a:solidFill>
@@ -3114,8 +3116,8 @@
           <a:cs typeface="+mn-cs"/>
         </a:defRPr>
       </a:lvl5pPr>
-      <a:lvl6pPr marL="2286000" algn="l" defTabSz="914400" rtl="0" eaLnBrk="1" latinLnBrk="0" hangingPunct="1">
-        <a:defRPr sz="1800" kern="1200">
+      <a:lvl6pPr marL="1620088" algn="l" defTabSz="648035" rtl="0" eaLnBrk="1" latinLnBrk="0" hangingPunct="1">
+        <a:defRPr sz="1276" kern="1200">
           <a:solidFill>
             <a:schemeClr val="tx1"/>
           </a:solidFill>
@@ -3124,8 +3126,8 @@
           <a:cs typeface="+mn-cs"/>
         </a:defRPr>
       </a:lvl6pPr>
-      <a:lvl7pPr marL="2743200" algn="l" defTabSz="914400" rtl="0" eaLnBrk="1" latinLnBrk="0" hangingPunct="1">
-        <a:defRPr sz="1800" kern="1200">
+      <a:lvl7pPr marL="1944106" algn="l" defTabSz="648035" rtl="0" eaLnBrk="1" latinLnBrk="0" hangingPunct="1">
+        <a:defRPr sz="1276" kern="1200">
           <a:solidFill>
             <a:schemeClr val="tx1"/>
           </a:solidFill>
@@ -3134,8 +3136,8 @@
           <a:cs typeface="+mn-cs"/>
         </a:defRPr>
       </a:lvl7pPr>
-      <a:lvl8pPr marL="3200400" algn="l" defTabSz="914400" rtl="0" eaLnBrk="1" latinLnBrk="0" hangingPunct="1">
-        <a:defRPr sz="1800" kern="1200">
+      <a:lvl8pPr marL="2268123" algn="l" defTabSz="648035" rtl="0" eaLnBrk="1" latinLnBrk="0" hangingPunct="1">
+        <a:defRPr sz="1276" kern="1200">
           <a:solidFill>
             <a:schemeClr val="tx1"/>
           </a:solidFill>
@@ -3144,8 +3146,8 @@
           <a:cs typeface="+mn-cs"/>
         </a:defRPr>
       </a:lvl8pPr>
-      <a:lvl9pPr marL="3657600" algn="l" defTabSz="914400" rtl="0" eaLnBrk="1" latinLnBrk="0" hangingPunct="1">
-        <a:defRPr sz="1800" kern="1200">
+      <a:lvl9pPr marL="2592141" algn="l" defTabSz="648035" rtl="0" eaLnBrk="1" latinLnBrk="0" hangingPunct="1">
+        <a:defRPr sz="1276" kern="1200">
           <a:solidFill>
             <a:schemeClr val="tx1"/>
           </a:solidFill>
@@ -3178,10 +3180,10 @@
       </p:grpSpPr>
       <p:grpSp>
         <p:nvGrpSpPr>
-          <p:cNvPr id="8" name="Group 7">
+          <p:cNvPr id="3" name="Gruppieren 2">
             <a:extLst>
               <a:ext uri="{FF2B5EF4-FFF2-40B4-BE49-F238E27FC236}">
-                <a16:creationId xmlns:a16="http://schemas.microsoft.com/office/drawing/2014/main" id="{89F40F4F-055A-400D-A8D2-DF2C06AF5180}"/>
+                <a16:creationId xmlns:a16="http://schemas.microsoft.com/office/drawing/2014/main" id="{91B64645-77FD-5350-3F77-2A9EDCC19DD0}"/>
               </a:ext>
             </a:extLst>
           </p:cNvPr>
@@ -3190,18 +3192,294 @@
         </p:nvGrpSpPr>
         <p:grpSpPr>
           <a:xfrm>
-            <a:off x="2364945" y="1065372"/>
-            <a:ext cx="4472082" cy="4472081"/>
-            <a:chOff x="2608226" y="1345579"/>
-            <a:chExt cx="3788509" cy="3788508"/>
+            <a:off x="157588" y="135688"/>
+            <a:ext cx="8483175" cy="5129297"/>
+            <a:chOff x="512841" y="408156"/>
+            <a:chExt cx="8483175" cy="5129297"/>
           </a:xfrm>
         </p:grpSpPr>
+        <p:grpSp>
+          <p:nvGrpSpPr>
+            <p:cNvPr id="8" name="Group 7">
+              <a:extLst>
+                <a:ext uri="{FF2B5EF4-FFF2-40B4-BE49-F238E27FC236}">
+                  <a16:creationId xmlns:a16="http://schemas.microsoft.com/office/drawing/2014/main" id="{89F40F4F-055A-400D-A8D2-DF2C06AF5180}"/>
+                </a:ext>
+              </a:extLst>
+            </p:cNvPr>
+            <p:cNvGrpSpPr/>
+            <p:nvPr/>
+          </p:nvGrpSpPr>
+          <p:grpSpPr>
+            <a:xfrm>
+              <a:off x="2364945" y="1065372"/>
+              <a:ext cx="4472082" cy="4472081"/>
+              <a:chOff x="2608226" y="1345579"/>
+              <a:chExt cx="3788509" cy="3788508"/>
+            </a:xfrm>
+          </p:grpSpPr>
+          <p:sp>
+            <p:nvSpPr>
+              <p:cNvPr id="4" name="Oval 3">
+                <a:extLst>
+                  <a:ext uri="{FF2B5EF4-FFF2-40B4-BE49-F238E27FC236}">
+                    <a16:creationId xmlns:a16="http://schemas.microsoft.com/office/drawing/2014/main" id="{560AE87E-4453-4F60-ABAF-84596E066A02}"/>
+                  </a:ext>
+                </a:extLst>
+              </p:cNvPr>
+              <p:cNvSpPr/>
+              <p:nvPr/>
+            </p:nvSpPr>
+            <p:spPr>
+              <a:xfrm>
+                <a:off x="2608226" y="1345579"/>
+                <a:ext cx="3788508" cy="3788508"/>
+              </a:xfrm>
+              <a:prstGeom prst="ellipse">
+                <a:avLst/>
+              </a:prstGeom>
+              <a:solidFill>
+                <a:schemeClr val="bg1"/>
+              </a:solidFill>
+              <a:ln>
+                <a:solidFill>
+                  <a:schemeClr val="tx1"/>
+                </a:solidFill>
+              </a:ln>
+            </p:spPr>
+            <p:style>
+              <a:lnRef idx="2">
+                <a:schemeClr val="accent1">
+                  <a:shade val="50000"/>
+                </a:schemeClr>
+              </a:lnRef>
+              <a:fillRef idx="1">
+                <a:schemeClr val="accent1"/>
+              </a:fillRef>
+              <a:effectRef idx="0">
+                <a:schemeClr val="accent1"/>
+              </a:effectRef>
+              <a:fontRef idx="minor">
+                <a:schemeClr val="lt1"/>
+              </a:fontRef>
+            </p:style>
+            <p:txBody>
+              <a:bodyPr rtlCol="0" anchor="ctr"/>
+              <a:lstStyle/>
+              <a:p>
+                <a:pPr algn="ctr"/>
+                <a:endParaRPr lang="de-DE"/>
+              </a:p>
+            </p:txBody>
+          </p:sp>
+          <p:sp>
+            <p:nvSpPr>
+              <p:cNvPr id="5" name="Rectangle 4">
+                <a:extLst>
+                  <a:ext uri="{FF2B5EF4-FFF2-40B4-BE49-F238E27FC236}">
+                    <a16:creationId xmlns:a16="http://schemas.microsoft.com/office/drawing/2014/main" id="{84698CF7-637D-4FF3-AFCA-11C3A0126CCA}"/>
+                  </a:ext>
+                </a:extLst>
+              </p:cNvPr>
+              <p:cNvSpPr/>
+              <p:nvPr/>
+            </p:nvSpPr>
+            <p:spPr>
+              <a:xfrm>
+                <a:off x="2608226" y="1784343"/>
+                <a:ext cx="3788509" cy="2910980"/>
+              </a:xfrm>
+              <a:prstGeom prst="rect">
+                <a:avLst/>
+              </a:prstGeom>
+              <a:solidFill>
+                <a:schemeClr val="bg1"/>
+              </a:solidFill>
+              <a:ln>
+                <a:solidFill>
+                  <a:schemeClr val="bg1"/>
+                </a:solidFill>
+              </a:ln>
+            </p:spPr>
+            <p:style>
+              <a:lnRef idx="2">
+                <a:schemeClr val="accent1">
+                  <a:shade val="50000"/>
+                </a:schemeClr>
+              </a:lnRef>
+              <a:fillRef idx="1">
+                <a:schemeClr val="accent1"/>
+              </a:fillRef>
+              <a:effectRef idx="0">
+                <a:schemeClr val="accent1"/>
+              </a:effectRef>
+              <a:fontRef idx="minor">
+                <a:schemeClr val="lt1"/>
+              </a:fontRef>
+            </p:style>
+            <p:txBody>
+              <a:bodyPr rtlCol="0" anchor="ctr"/>
+              <a:lstStyle/>
+              <a:p>
+                <a:pPr algn="ctr"/>
+                <a:endParaRPr lang="de-DE"/>
+              </a:p>
+            </p:txBody>
+          </p:sp>
+          <p:sp>
+            <p:nvSpPr>
+              <p:cNvPr id="6" name="Right Triangle 5">
+                <a:extLst>
+                  <a:ext uri="{FF2B5EF4-FFF2-40B4-BE49-F238E27FC236}">
+                    <a16:creationId xmlns:a16="http://schemas.microsoft.com/office/drawing/2014/main" id="{046DA639-B137-42BC-82EA-D64380FF0D5D}"/>
+                  </a:ext>
+                </a:extLst>
+              </p:cNvPr>
+              <p:cNvSpPr/>
+              <p:nvPr/>
+            </p:nvSpPr>
+            <p:spPr>
+              <a:xfrm>
+                <a:off x="3196205" y="1687870"/>
+                <a:ext cx="192946" cy="192946"/>
+              </a:xfrm>
+              <a:prstGeom prst="rtTriangle">
+                <a:avLst/>
+              </a:prstGeom>
+              <a:solidFill>
+                <a:schemeClr val="tx1"/>
+              </a:solidFill>
+              <a:ln>
+                <a:solidFill>
+                  <a:schemeClr val="bg1"/>
+                </a:solidFill>
+              </a:ln>
+            </p:spPr>
+            <p:style>
+              <a:lnRef idx="2">
+                <a:schemeClr val="accent1">
+                  <a:shade val="50000"/>
+                </a:schemeClr>
+              </a:lnRef>
+              <a:fillRef idx="1">
+                <a:schemeClr val="accent1"/>
+              </a:fillRef>
+              <a:effectRef idx="0">
+                <a:schemeClr val="accent1"/>
+              </a:effectRef>
+              <a:fontRef idx="minor">
+                <a:schemeClr val="lt1"/>
+              </a:fontRef>
+            </p:style>
+            <p:txBody>
+              <a:bodyPr rtlCol="0" anchor="ctr"/>
+              <a:lstStyle/>
+              <a:p>
+                <a:pPr algn="ctr"/>
+                <a:endParaRPr lang="de-DE"/>
+              </a:p>
+            </p:txBody>
+          </p:sp>
+          <p:sp>
+            <p:nvSpPr>
+              <p:cNvPr id="7" name="Right Triangle 6">
+                <a:extLst>
+                  <a:ext uri="{FF2B5EF4-FFF2-40B4-BE49-F238E27FC236}">
+                    <a16:creationId xmlns:a16="http://schemas.microsoft.com/office/drawing/2014/main" id="{D4C23F88-B8B9-4DB3-B819-144890DA27AE}"/>
+                  </a:ext>
+                </a:extLst>
+              </p:cNvPr>
+              <p:cNvSpPr/>
+              <p:nvPr/>
+            </p:nvSpPr>
+            <p:spPr>
+              <a:xfrm rot="10800000">
+                <a:off x="5610413" y="4608508"/>
+                <a:ext cx="192946" cy="192946"/>
+              </a:xfrm>
+              <a:prstGeom prst="rtTriangle">
+                <a:avLst/>
+              </a:prstGeom>
+              <a:solidFill>
+                <a:schemeClr val="tx1"/>
+              </a:solidFill>
+              <a:ln>
+                <a:solidFill>
+                  <a:schemeClr val="bg1"/>
+                </a:solidFill>
+              </a:ln>
+            </p:spPr>
+            <p:style>
+              <a:lnRef idx="2">
+                <a:schemeClr val="accent1">
+                  <a:shade val="50000"/>
+                </a:schemeClr>
+              </a:lnRef>
+              <a:fillRef idx="1">
+                <a:schemeClr val="accent1"/>
+              </a:fillRef>
+              <a:effectRef idx="0">
+                <a:schemeClr val="accent1"/>
+              </a:effectRef>
+              <a:fontRef idx="minor">
+                <a:schemeClr val="lt1"/>
+              </a:fontRef>
+            </p:style>
+            <p:txBody>
+              <a:bodyPr rtlCol="0" anchor="ctr"/>
+              <a:lstStyle/>
+              <a:p>
+                <a:pPr algn="ctr"/>
+                <a:endParaRPr lang="de-DE"/>
+              </a:p>
+            </p:txBody>
+          </p:sp>
+        </p:grpSp>
         <p:sp>
           <p:nvSpPr>
-            <p:cNvPr id="4" name="Oval 3">
+            <p:cNvPr id="10" name="TextBox 9">
               <a:extLst>
                 <a:ext uri="{FF2B5EF4-FFF2-40B4-BE49-F238E27FC236}">
-                  <a16:creationId xmlns:a16="http://schemas.microsoft.com/office/drawing/2014/main" id="{560AE87E-4453-4F60-ABAF-84596E066A02}"/>
+                  <a16:creationId xmlns:a16="http://schemas.microsoft.com/office/drawing/2014/main" id="{13305106-1DC6-47FB-8419-153ABFB09606}"/>
+                </a:ext>
+              </a:extLst>
+            </p:cNvPr>
+            <p:cNvSpPr txBox="1"/>
+            <p:nvPr/>
+          </p:nvSpPr>
+          <p:spPr>
+            <a:xfrm>
+              <a:off x="6045785" y="1705456"/>
+              <a:ext cx="1438214" cy="553998"/>
+            </a:xfrm>
+            <a:prstGeom prst="rect">
+              <a:avLst/>
+            </a:prstGeom>
+            <a:noFill/>
+          </p:spPr>
+          <p:txBody>
+            <a:bodyPr wrap="none" rtlCol="0">
+              <a:spAutoFit/>
+            </a:bodyPr>
+            <a:lstStyle/>
+            <a:p>
+              <a:r>
+                <a:rPr lang="de-DE" sz="3000" dirty="0">
+                  <a:latin typeface="CMU Sans Serif" panose="02000603000000000000" pitchFamily="2" charset="0"/>
+                  <a:ea typeface="CMU Sans Serif" panose="02000603000000000000" pitchFamily="2" charset="0"/>
+                  <a:cs typeface="CMU Sans Serif" panose="02000603000000000000" pitchFamily="2" charset="0"/>
+                </a:rPr>
+                <a:t>Realität</a:t>
+              </a:r>
+            </a:p>
+          </p:txBody>
+        </p:sp>
+        <p:sp>
+          <p:nvSpPr>
+            <p:cNvPr id="12" name="Cloud 11">
+              <a:extLst>
+                <a:ext uri="{FF2B5EF4-FFF2-40B4-BE49-F238E27FC236}">
+                  <a16:creationId xmlns:a16="http://schemas.microsoft.com/office/drawing/2014/main" id="{6FC897C2-999C-4CA0-88AA-F2E0AD9A04E0}"/>
                 </a:ext>
               </a:extLst>
             </p:cNvPr>
@@ -3210,20 +3488,30 @@
           </p:nvSpPr>
           <p:spPr>
             <a:xfrm>
-              <a:off x="2608226" y="1345579"/>
-              <a:ext cx="3788508" cy="3788508"/>
+              <a:off x="512841" y="2101236"/>
+              <a:ext cx="3624044" cy="2929686"/>
             </a:xfrm>
-            <a:prstGeom prst="ellipse">
+            <a:prstGeom prst="cloud">
               <a:avLst/>
             </a:prstGeom>
-            <a:solidFill>
-              <a:schemeClr val="bg1"/>
-            </a:solidFill>
+            <a:blipFill>
+              <a:blip r:embed="rId2">
+                <a:duotone>
+                  <a:schemeClr val="accent3">
+                    <a:shade val="45000"/>
+                    <a:satMod val="135000"/>
+                  </a:schemeClr>
+                  <a:prstClr val="white"/>
+                </a:duotone>
+              </a:blip>
+              <a:tile tx="0" ty="0" sx="100000" sy="100000" flip="none" algn="tl"/>
+            </a:blipFill>
             <a:ln>
-              <a:solidFill>
-                <a:schemeClr val="tx1"/>
-              </a:solidFill>
+              <a:noFill/>
             </a:ln>
+            <a:effectLst>
+              <a:softEdge rad="127000"/>
+            </a:effectLst>
           </p:spPr>
           <p:style>
             <a:lnRef idx="2">
@@ -3246,16 +3534,862 @@
             <a:lstStyle/>
             <a:p>
               <a:pPr algn="ctr"/>
-              <a:endParaRPr lang="de-DE"/>
+              <a:endParaRPr lang="LID4096" dirty="0">
+                <a:latin typeface="CMU Sans Serif" panose="02000603000000000000" pitchFamily="2" charset="0"/>
+                <a:ea typeface="CMU Sans Serif" panose="02000603000000000000" pitchFamily="2" charset="0"/>
+                <a:cs typeface="CMU Sans Serif" panose="02000603000000000000" pitchFamily="2" charset="0"/>
+              </a:endParaRPr>
             </a:p>
           </p:txBody>
         </p:sp>
         <p:sp>
           <p:nvSpPr>
-            <p:cNvPr id="5" name="Rectangle 4">
+            <p:cNvPr id="13" name="TextBox 12">
               <a:extLst>
                 <a:ext uri="{FF2B5EF4-FFF2-40B4-BE49-F238E27FC236}">
-                  <a16:creationId xmlns:a16="http://schemas.microsoft.com/office/drawing/2014/main" id="{84698CF7-637D-4FF3-AFCA-11C3A0126CCA}"/>
+                  <a16:creationId xmlns:a16="http://schemas.microsoft.com/office/drawing/2014/main" id="{20C00251-5025-4EF5-8399-8B2EBFFC145E}"/>
+                </a:ext>
+              </a:extLst>
+            </p:cNvPr>
+            <p:cNvSpPr txBox="1"/>
+            <p:nvPr/>
+          </p:nvSpPr>
+          <p:spPr>
+            <a:xfrm>
+              <a:off x="1012476" y="2975961"/>
+              <a:ext cx="2574744" cy="353302"/>
+            </a:xfrm>
+            <a:prstGeom prst="rect">
+              <a:avLst/>
+            </a:prstGeom>
+            <a:noFill/>
+          </p:spPr>
+          <p:txBody>
+            <a:bodyPr wrap="none" rtlCol="0">
+              <a:spAutoFit/>
+            </a:bodyPr>
+            <a:lstStyle/>
+            <a:p>
+              <a:r>
+                <a:rPr lang="de-DE" dirty="0">
+                  <a:latin typeface="CMU Sans Serif" panose="02000603000000000000" pitchFamily="2" charset="0"/>
+                  <a:ea typeface="CMU Sans Serif" panose="02000603000000000000" pitchFamily="2" charset="0"/>
+                  <a:cs typeface="CMU Sans Serif" panose="02000603000000000000" pitchFamily="2" charset="0"/>
+                </a:rPr>
+                <a:t>Wahrscheinlichkeitstheorie</a:t>
+              </a:r>
+            </a:p>
+          </p:txBody>
+        </p:sp>
+        <p:sp>
+          <p:nvSpPr>
+            <p:cNvPr id="19" name="TextBox 18">
+              <a:extLst>
+                <a:ext uri="{FF2B5EF4-FFF2-40B4-BE49-F238E27FC236}">
+                  <a16:creationId xmlns:a16="http://schemas.microsoft.com/office/drawing/2014/main" id="{074E93DD-5B71-40FF-B9D4-3FC68E89DFF2}"/>
+                </a:ext>
+              </a:extLst>
+            </p:cNvPr>
+            <p:cNvSpPr txBox="1"/>
+            <p:nvPr/>
+          </p:nvSpPr>
+          <p:spPr>
+            <a:xfrm>
+              <a:off x="521645" y="408156"/>
+              <a:ext cx="8147071" cy="584775"/>
+            </a:xfrm>
+            <a:prstGeom prst="rect">
+              <a:avLst/>
+            </a:prstGeom>
+            <a:noFill/>
+          </p:spPr>
+          <p:txBody>
+            <a:bodyPr wrap="square" rtlCol="0">
+              <a:spAutoFit/>
+            </a:bodyPr>
+            <a:lstStyle/>
+            <a:p>
+              <a:pPr algn="ctr"/>
+              <a:r>
+                <a:rPr lang="de-DE" sz="1600" dirty="0">
+                  <a:latin typeface="CMU Sans Serif" panose="02000603000000000000" pitchFamily="2" charset="0"/>
+                  <a:ea typeface="CMU Sans Serif" panose="02000603000000000000" pitchFamily="2" charset="0"/>
+                  <a:cs typeface="CMU Sans Serif" panose="02000603000000000000" pitchFamily="2" charset="0"/>
+                </a:rPr>
+                <a:t>Wir nehmen an, dass die BDI Scores der </a:t>
+              </a:r>
+              <a:r>
+                <a:rPr lang="de-DE" sz="1600" dirty="0" err="1">
+                  <a:latin typeface="CMU Sans Serif" panose="02000603000000000000" pitchFamily="2" charset="0"/>
+                  <a:ea typeface="CMU Sans Serif" panose="02000603000000000000" pitchFamily="2" charset="0"/>
+                  <a:cs typeface="CMU Sans Serif" panose="02000603000000000000" pitchFamily="2" charset="0"/>
+                </a:rPr>
+                <a:t>Proband:innen</a:t>
+              </a:r>
+              <a:r>
+                <a:rPr lang="de-DE" sz="1600" dirty="0">
+                  <a:latin typeface="CMU Sans Serif" panose="02000603000000000000" pitchFamily="2" charset="0"/>
+                  <a:ea typeface="CMU Sans Serif" panose="02000603000000000000" pitchFamily="2" charset="0"/>
+                  <a:cs typeface="CMU Sans Serif" panose="02000603000000000000" pitchFamily="2" charset="0"/>
+                </a:rPr>
+                <a:t> Realisierungen</a:t>
+              </a:r>
+            </a:p>
+            <a:p>
+              <a:pPr algn="ctr"/>
+              <a:r>
+                <a:rPr lang="de-DE" sz="1600" b="1" dirty="0">
+                  <a:latin typeface="CMU Sans Serif" panose="02000603000000000000" pitchFamily="2" charset="0"/>
+                  <a:ea typeface="CMU Sans Serif" panose="02000603000000000000" pitchFamily="2" charset="0"/>
+                  <a:cs typeface="CMU Sans Serif" panose="02000603000000000000" pitchFamily="2" charset="0"/>
+                </a:rPr>
+                <a:t>unabhängiger und identisch</a:t>
+              </a:r>
+              <a:r>
+                <a:rPr lang="de-DE" sz="1600" dirty="0">
+                  <a:latin typeface="CMU Sans Serif" panose="02000603000000000000" pitchFamily="2" charset="0"/>
+                  <a:ea typeface="CMU Sans Serif" panose="02000603000000000000" pitchFamily="2" charset="0"/>
+                  <a:cs typeface="CMU Sans Serif" panose="02000603000000000000" pitchFamily="2" charset="0"/>
+                </a:rPr>
+                <a:t> normalverteilter Zufallsvariablen sind.</a:t>
+              </a:r>
+            </a:p>
+          </p:txBody>
+        </p:sp>
+        <p:sp>
+          <p:nvSpPr>
+            <p:cNvPr id="20" name="TextBox 19">
+              <a:extLst>
+                <a:ext uri="{FF2B5EF4-FFF2-40B4-BE49-F238E27FC236}">
+                  <a16:creationId xmlns:a16="http://schemas.microsoft.com/office/drawing/2014/main" id="{2F69F9A2-AF6B-4647-9D4D-F1D8EFF90738}"/>
+                </a:ext>
+              </a:extLst>
+            </p:cNvPr>
+            <p:cNvSpPr txBox="1"/>
+            <p:nvPr/>
+          </p:nvSpPr>
+          <p:spPr>
+            <a:xfrm>
+              <a:off x="3843212" y="4950933"/>
+              <a:ext cx="1503938" cy="400110"/>
+            </a:xfrm>
+            <a:prstGeom prst="rect">
+              <a:avLst/>
+            </a:prstGeom>
+            <a:noFill/>
+          </p:spPr>
+          <p:txBody>
+            <a:bodyPr wrap="none" rtlCol="0">
+              <a:spAutoFit/>
+            </a:bodyPr>
+            <a:lstStyle/>
+            <a:p>
+              <a:r>
+                <a:rPr lang="de-DE" sz="2000" dirty="0">
+                  <a:latin typeface="CMU Sans Serif" panose="02000603000000000000" pitchFamily="2" charset="0"/>
+                  <a:ea typeface="CMU Sans Serif" panose="02000603000000000000" pitchFamily="2" charset="0"/>
+                  <a:cs typeface="CMU Sans Serif" panose="02000603000000000000" pitchFamily="2" charset="0"/>
+                </a:rPr>
+                <a:t>Vorhersagen</a:t>
+              </a:r>
+            </a:p>
+          </p:txBody>
+        </p:sp>
+        <p:sp>
+          <p:nvSpPr>
+            <p:cNvPr id="9" name="TextBox 8">
+              <a:extLst>
+                <a:ext uri="{FF2B5EF4-FFF2-40B4-BE49-F238E27FC236}">
+                  <a16:creationId xmlns:a16="http://schemas.microsoft.com/office/drawing/2014/main" id="{350C3C8A-6E76-491D-A5B0-066F6F5F67A9}"/>
+                </a:ext>
+              </a:extLst>
+            </p:cNvPr>
+            <p:cNvSpPr txBox="1"/>
+            <p:nvPr/>
+          </p:nvSpPr>
+          <p:spPr>
+            <a:xfrm>
+              <a:off x="1609405" y="1707447"/>
+              <a:ext cx="1266693" cy="553998"/>
+            </a:xfrm>
+            <a:prstGeom prst="rect">
+              <a:avLst/>
+            </a:prstGeom>
+            <a:noFill/>
+          </p:spPr>
+          <p:txBody>
+            <a:bodyPr wrap="none" rtlCol="0">
+              <a:spAutoFit/>
+            </a:bodyPr>
+            <a:lstStyle/>
+            <a:p>
+              <a:r>
+                <a:rPr lang="de-DE" sz="3000" dirty="0">
+                  <a:latin typeface="CMU Sans Serif" panose="02000603000000000000" pitchFamily="2" charset="0"/>
+                  <a:ea typeface="CMU Sans Serif" panose="02000603000000000000" pitchFamily="2" charset="0"/>
+                  <a:cs typeface="CMU Sans Serif" panose="02000603000000000000" pitchFamily="2" charset="0"/>
+                </a:rPr>
+                <a:t>Modell</a:t>
+              </a:r>
+            </a:p>
+          </p:txBody>
+        </p:sp>
+        <p:sp>
+          <p:nvSpPr>
+            <p:cNvPr id="45" name="TextBox 44">
+              <a:extLst>
+                <a:ext uri="{FF2B5EF4-FFF2-40B4-BE49-F238E27FC236}">
+                  <a16:creationId xmlns:a16="http://schemas.microsoft.com/office/drawing/2014/main" id="{F4D97138-3D1C-41A5-BF6E-FDA09C893B61}"/>
+                </a:ext>
+              </a:extLst>
+            </p:cNvPr>
+            <p:cNvSpPr txBox="1"/>
+            <p:nvPr/>
+          </p:nvSpPr>
+          <p:spPr>
+            <a:xfrm>
+              <a:off x="3813557" y="1301740"/>
+              <a:ext cx="1563248" cy="400110"/>
+            </a:xfrm>
+            <a:prstGeom prst="rect">
+              <a:avLst/>
+            </a:prstGeom>
+            <a:noFill/>
+          </p:spPr>
+          <p:txBody>
+            <a:bodyPr wrap="none" rtlCol="0">
+              <a:spAutoFit/>
+            </a:bodyPr>
+            <a:lstStyle/>
+            <a:p>
+              <a:r>
+                <a:rPr lang="de-DE" sz="2000" dirty="0">
+                  <a:latin typeface="CMU Sans Serif" panose="02000603000000000000" pitchFamily="2" charset="0"/>
+                  <a:ea typeface="CMU Sans Serif" panose="02000603000000000000" pitchFamily="2" charset="0"/>
+                  <a:cs typeface="CMU Sans Serif" panose="02000603000000000000" pitchFamily="2" charset="0"/>
+                </a:rPr>
+                <a:t>Modellierung</a:t>
+              </a:r>
+            </a:p>
+          </p:txBody>
+        </p:sp>
+        <p:sp>
+          <p:nvSpPr>
+            <p:cNvPr id="46" name="TextBox 45">
+              <a:extLst>
+                <a:ext uri="{FF2B5EF4-FFF2-40B4-BE49-F238E27FC236}">
+                  <a16:creationId xmlns:a16="http://schemas.microsoft.com/office/drawing/2014/main" id="{9129DFE1-F9D8-4A7E-8CC6-6E7115347018}"/>
+                </a:ext>
+              </a:extLst>
+            </p:cNvPr>
+            <p:cNvSpPr txBox="1"/>
+            <p:nvPr/>
+          </p:nvSpPr>
+          <p:spPr>
+            <a:xfrm>
+              <a:off x="6085058" y="2447532"/>
+              <a:ext cx="1503937" cy="374461"/>
+            </a:xfrm>
+            <a:prstGeom prst="rect">
+              <a:avLst/>
+            </a:prstGeom>
+            <a:noFill/>
+          </p:spPr>
+          <p:txBody>
+            <a:bodyPr wrap="none" rtlCol="0">
+              <a:spAutoFit/>
+            </a:bodyPr>
+            <a:lstStyle/>
+            <a:p>
+              <a:pPr algn="ctr">
+                <a:lnSpc>
+                  <a:spcPts val="2160"/>
+                </a:lnSpc>
+              </a:pPr>
+              <a:r>
+                <a:rPr lang="de-DE" dirty="0">
+                  <a:latin typeface="CMU Sans Serif" panose="02000603000000000000" pitchFamily="2" charset="0"/>
+                  <a:ea typeface="CMU Sans Serif" panose="02000603000000000000" pitchFamily="2" charset="0"/>
+                  <a:cs typeface="CMU Sans Serif" panose="02000603000000000000" pitchFamily="2" charset="0"/>
+                </a:rPr>
+                <a:t>Zufallsvorgang</a:t>
+              </a:r>
+              <a:endParaRPr lang="de-DE" sz="1600" dirty="0">
+                <a:solidFill>
+                  <a:srgbClr val="0070C0"/>
+                </a:solidFill>
+                <a:latin typeface="CMU Sans Serif" panose="02000603000000000000" pitchFamily="2" charset="0"/>
+                <a:ea typeface="CMU Sans Serif" panose="02000603000000000000" pitchFamily="2" charset="0"/>
+                <a:cs typeface="CMU Sans Serif" panose="02000603000000000000" pitchFamily="2" charset="0"/>
+              </a:endParaRPr>
+            </a:p>
+          </p:txBody>
+        </p:sp>
+        <mc:AlternateContent xmlns:mc="http://schemas.openxmlformats.org/markup-compatibility/2006" xmlns:a14="http://schemas.microsoft.com/office/drawing/2010/main">
+          <mc:Choice Requires="a14">
+            <p:sp>
+              <p:nvSpPr>
+                <p:cNvPr id="2" name="TextBox 1">
+                  <a:extLst>
+                    <a:ext uri="{FF2B5EF4-FFF2-40B4-BE49-F238E27FC236}">
+                      <a16:creationId xmlns:a16="http://schemas.microsoft.com/office/drawing/2014/main" id="{E1F6FFA3-5F72-4AE9-8925-187E1A9305BF}"/>
+                    </a:ext>
+                  </a:extLst>
+                </p:cNvPr>
+                <p:cNvSpPr txBox="1"/>
+                <p:nvPr/>
+              </p:nvSpPr>
+              <p:spPr>
+                <a:xfrm>
+                  <a:off x="1053669" y="3429000"/>
+                  <a:ext cx="2653419" cy="287836"/>
+                </a:xfrm>
+                <a:prstGeom prst="rect">
+                  <a:avLst/>
+                </a:prstGeom>
+                <a:noFill/>
+              </p:spPr>
+              <p:txBody>
+                <a:bodyPr wrap="none" lIns="0" tIns="0" rIns="0" bIns="0" rtlCol="0">
+                  <a:spAutoFit/>
+                </a:bodyPr>
+                <a:lstStyle/>
+                <a:p>
+                  <a:pPr/>
+                  <a14:m>
+                    <m:oMathPara xmlns:m="http://schemas.openxmlformats.org/officeDocument/2006/math">
+                      <m:oMathParaPr>
+                        <m:jc m:val="centerGroup"/>
+                      </m:oMathParaPr>
+                      <m:oMath xmlns:m="http://schemas.openxmlformats.org/officeDocument/2006/math">
+                        <m:sSub>
+                          <m:sSubPr>
+                            <m:ctrlPr>
+                              <a:rPr lang="de-DE" sz="1700" i="1">
+                                <a:latin typeface="Cambria Math" panose="02040503050406030204" pitchFamily="18" charset="0"/>
+                              </a:rPr>
+                            </m:ctrlPr>
+                          </m:sSubPr>
+                          <m:e>
+                            <m:r>
+                              <a:rPr lang="de-DE" sz="1700" i="1">
+                                <a:latin typeface="Cambria Math" panose="02040503050406030204" pitchFamily="18" charset="0"/>
+                              </a:rPr>
+                              <m:t>𝑦</m:t>
+                            </m:r>
+                          </m:e>
+                          <m:sub>
+                            <m:r>
+                              <a:rPr lang="de-DE" sz="1700" i="1">
+                                <a:latin typeface="Cambria Math" panose="02040503050406030204" pitchFamily="18" charset="0"/>
+                              </a:rPr>
+                              <m:t>1</m:t>
+                            </m:r>
+                            <m:r>
+                              <a:rPr lang="de-DE" sz="1700" i="1">
+                                <a:latin typeface="Cambria Math" panose="02040503050406030204" pitchFamily="18" charset="0"/>
+                              </a:rPr>
+                              <m:t>𝑗</m:t>
+                            </m:r>
+                          </m:sub>
+                        </m:sSub>
+                        <m:r>
+                          <a:rPr lang="de-DE" sz="1700" i="1">
+                            <a:latin typeface="Cambria Math" panose="02040503050406030204" pitchFamily="18" charset="0"/>
+                          </a:rPr>
+                          <m:t>∼</m:t>
+                        </m:r>
+                        <m:r>
+                          <a:rPr lang="de-DE" sz="1700" i="1">
+                            <a:latin typeface="Cambria Math" panose="02040503050406030204" pitchFamily="18" charset="0"/>
+                          </a:rPr>
+                          <m:t>𝑁</m:t>
+                        </m:r>
+                        <m:d>
+                          <m:dPr>
+                            <m:ctrlPr>
+                              <a:rPr lang="de-DE" sz="1700" i="1">
+                                <a:latin typeface="Cambria Math" panose="02040503050406030204" pitchFamily="18" charset="0"/>
+                              </a:rPr>
+                            </m:ctrlPr>
+                          </m:dPr>
+                          <m:e>
+                            <m:sSub>
+                              <m:sSubPr>
+                                <m:ctrlPr>
+                                  <a:rPr lang="de-DE" sz="1700" i="1">
+                                    <a:latin typeface="Cambria Math" panose="02040503050406030204" pitchFamily="18" charset="0"/>
+                                  </a:rPr>
+                                </m:ctrlPr>
+                              </m:sSubPr>
+                              <m:e>
+                                <m:r>
+                                  <a:rPr lang="de-DE" sz="1700" i="1">
+                                    <a:latin typeface="Cambria Math" panose="02040503050406030204" pitchFamily="18" charset="0"/>
+                                  </a:rPr>
+                                  <m:t>𝜇</m:t>
+                                </m:r>
+                              </m:e>
+                              <m:sub>
+                                <m:r>
+                                  <a:rPr lang="de-DE" sz="1700" i="1">
+                                    <a:latin typeface="Cambria Math" panose="02040503050406030204" pitchFamily="18" charset="0"/>
+                                  </a:rPr>
+                                  <m:t>1</m:t>
+                                </m:r>
+                              </m:sub>
+                            </m:sSub>
+                            <m:r>
+                              <a:rPr lang="de-DE" sz="1700" i="1">
+                                <a:latin typeface="Cambria Math" panose="02040503050406030204" pitchFamily="18" charset="0"/>
+                              </a:rPr>
+                              <m:t>,</m:t>
+                            </m:r>
+                            <m:sSup>
+                              <m:sSupPr>
+                                <m:ctrlPr>
+                                  <a:rPr lang="de-DE" sz="1700" i="1">
+                                    <a:latin typeface="Cambria Math" panose="02040503050406030204" pitchFamily="18" charset="0"/>
+                                  </a:rPr>
+                                </m:ctrlPr>
+                              </m:sSupPr>
+                              <m:e>
+                                <m:r>
+                                  <a:rPr lang="de-DE" sz="1700" i="1">
+                                    <a:latin typeface="Cambria Math" panose="02040503050406030204" pitchFamily="18" charset="0"/>
+                                  </a:rPr>
+                                  <m:t>𝜎</m:t>
+                                </m:r>
+                              </m:e>
+                              <m:sup>
+                                <m:r>
+                                  <a:rPr lang="de-DE" sz="1700" i="1">
+                                    <a:latin typeface="Cambria Math" panose="02040503050406030204" pitchFamily="18" charset="0"/>
+                                  </a:rPr>
+                                  <m:t>2</m:t>
+                                </m:r>
+                              </m:sup>
+                            </m:sSup>
+                          </m:e>
+                        </m:d>
+                        <m:r>
+                          <a:rPr lang="de-DE" sz="1700" i="1">
+                            <a:latin typeface="Cambria Math" panose="02040503050406030204" pitchFamily="18" charset="0"/>
+                          </a:rPr>
+                          <m:t>, </m:t>
+                        </m:r>
+                        <m:r>
+                          <a:rPr lang="de-DE" sz="1700" i="1">
+                            <a:latin typeface="Cambria Math" panose="02040503050406030204" pitchFamily="18" charset="0"/>
+                          </a:rPr>
+                          <m:t>𝑗</m:t>
+                        </m:r>
+                        <m:r>
+                          <a:rPr lang="de-DE" sz="1700" i="1">
+                            <a:latin typeface="Cambria Math" panose="02040503050406030204" pitchFamily="18" charset="0"/>
+                          </a:rPr>
+                          <m:t>=1,…,</m:t>
+                        </m:r>
+                        <m:sSub>
+                          <m:sSubPr>
+                            <m:ctrlPr>
+                              <a:rPr lang="de-DE" sz="1700" i="1">
+                                <a:latin typeface="Cambria Math" panose="02040503050406030204" pitchFamily="18" charset="0"/>
+                              </a:rPr>
+                            </m:ctrlPr>
+                          </m:sSubPr>
+                          <m:e>
+                            <m:r>
+                              <a:rPr lang="de-DE" sz="1700" i="1">
+                                <a:latin typeface="Cambria Math" panose="02040503050406030204" pitchFamily="18" charset="0"/>
+                              </a:rPr>
+                              <m:t>𝑛</m:t>
+                            </m:r>
+                          </m:e>
+                          <m:sub>
+                            <m:r>
+                              <a:rPr lang="de-DE" sz="1700" i="1">
+                                <a:latin typeface="Cambria Math" panose="02040503050406030204" pitchFamily="18" charset="0"/>
+                              </a:rPr>
+                              <m:t>1</m:t>
+                            </m:r>
+                          </m:sub>
+                        </m:sSub>
+                      </m:oMath>
+                    </m:oMathPara>
+                  </a14:m>
+                  <a:endParaRPr lang="de-DE" sz="1700" dirty="0"/>
+                </a:p>
+              </p:txBody>
+            </p:sp>
+          </mc:Choice>
+          <mc:Fallback xmlns="">
+            <p:sp>
+              <p:nvSpPr>
+                <p:cNvPr id="2" name="TextBox 1">
+                  <a:extLst>
+                    <a:ext uri="{FF2B5EF4-FFF2-40B4-BE49-F238E27FC236}">
+                      <a16:creationId xmlns:a16="http://schemas.microsoft.com/office/drawing/2014/main" id="{E1F6FFA3-5F72-4AE9-8925-187E1A9305BF}"/>
+                    </a:ext>
+                  </a:extLst>
+                </p:cNvPr>
+                <p:cNvSpPr txBox="1">
+                  <a:spLocks noRot="1" noChangeAspect="1" noMove="1" noResize="1" noEditPoints="1" noAdjustHandles="1" noChangeArrowheads="1" noChangeShapeType="1" noTextEdit="1"/>
+                </p:cNvSpPr>
+                <p:nvPr/>
+              </p:nvSpPr>
+              <p:spPr>
+                <a:xfrm>
+                  <a:off x="1053669" y="3429000"/>
+                  <a:ext cx="2653419" cy="287836"/>
+                </a:xfrm>
+                <a:prstGeom prst="rect">
+                  <a:avLst/>
+                </a:prstGeom>
+                <a:blipFill>
+                  <a:blip r:embed="rId3"/>
+                  <a:stretch>
+                    <a:fillRect l="-1609" b="-25532"/>
+                  </a:stretch>
+                </a:blipFill>
+              </p:spPr>
+              <p:txBody>
+                <a:bodyPr/>
+                <a:lstStyle/>
+                <a:p>
+                  <a:r>
+                    <a:rPr lang="de-DE">
+                      <a:noFill/>
+                    </a:rPr>
+                    <a:t> </a:t>
+                  </a:r>
+                </a:p>
+              </p:txBody>
+            </p:sp>
+          </mc:Fallback>
+        </mc:AlternateContent>
+        <mc:AlternateContent xmlns:mc="http://schemas.openxmlformats.org/markup-compatibility/2006" xmlns:a14="http://schemas.microsoft.com/office/drawing/2010/main">
+          <mc:Choice Requires="a14">
+            <p:sp>
+              <p:nvSpPr>
+                <p:cNvPr id="30" name="TextBox 29">
+                  <a:extLst>
+                    <a:ext uri="{FF2B5EF4-FFF2-40B4-BE49-F238E27FC236}">
+                      <a16:creationId xmlns:a16="http://schemas.microsoft.com/office/drawing/2014/main" id="{BC5FD6DC-885A-455C-A5D4-549616E44FB8}"/>
+                    </a:ext>
+                  </a:extLst>
+                </p:cNvPr>
+                <p:cNvSpPr txBox="1"/>
+                <p:nvPr/>
+              </p:nvSpPr>
+              <p:spPr>
+                <a:xfrm>
+                  <a:off x="1042051" y="3852718"/>
+                  <a:ext cx="2668616" cy="287836"/>
+                </a:xfrm>
+                <a:prstGeom prst="rect">
+                  <a:avLst/>
+                </a:prstGeom>
+                <a:noFill/>
+              </p:spPr>
+              <p:txBody>
+                <a:bodyPr wrap="none" lIns="0" tIns="0" rIns="0" bIns="0" rtlCol="0">
+                  <a:spAutoFit/>
+                </a:bodyPr>
+                <a:lstStyle/>
+                <a:p>
+                  <a:pPr/>
+                  <a14:m>
+                    <m:oMathPara xmlns:m="http://schemas.openxmlformats.org/officeDocument/2006/math">
+                      <m:oMathParaPr>
+                        <m:jc m:val="centerGroup"/>
+                      </m:oMathParaPr>
+                      <m:oMath xmlns:m="http://schemas.openxmlformats.org/officeDocument/2006/math">
+                        <m:sSub>
+                          <m:sSubPr>
+                            <m:ctrlPr>
+                              <a:rPr lang="de-DE" sz="1700" i="1">
+                                <a:latin typeface="Cambria Math" panose="02040503050406030204" pitchFamily="18" charset="0"/>
+                              </a:rPr>
+                            </m:ctrlPr>
+                          </m:sSubPr>
+                          <m:e>
+                            <m:r>
+                              <a:rPr lang="de-DE" sz="1700" i="1">
+                                <a:latin typeface="Cambria Math" panose="02040503050406030204" pitchFamily="18" charset="0"/>
+                              </a:rPr>
+                              <m:t>𝑦</m:t>
+                            </m:r>
+                          </m:e>
+                          <m:sub>
+                            <m:r>
+                              <a:rPr lang="de-DE" sz="1700" i="1">
+                                <a:latin typeface="Cambria Math" panose="02040503050406030204" pitchFamily="18" charset="0"/>
+                              </a:rPr>
+                              <m:t>2</m:t>
+                            </m:r>
+                            <m:r>
+                              <a:rPr lang="de-DE" sz="1700" i="1">
+                                <a:latin typeface="Cambria Math" panose="02040503050406030204" pitchFamily="18" charset="0"/>
+                              </a:rPr>
+                              <m:t>𝑗</m:t>
+                            </m:r>
+                          </m:sub>
+                        </m:sSub>
+                        <m:r>
+                          <a:rPr lang="de-DE" sz="1700" i="1">
+                            <a:latin typeface="Cambria Math" panose="02040503050406030204" pitchFamily="18" charset="0"/>
+                          </a:rPr>
+                          <m:t>∼</m:t>
+                        </m:r>
+                        <m:r>
+                          <a:rPr lang="de-DE" sz="1700" i="1">
+                            <a:latin typeface="Cambria Math" panose="02040503050406030204" pitchFamily="18" charset="0"/>
+                          </a:rPr>
+                          <m:t>𝑁</m:t>
+                        </m:r>
+                        <m:d>
+                          <m:dPr>
+                            <m:ctrlPr>
+                              <a:rPr lang="de-DE" sz="1700" i="1">
+                                <a:latin typeface="Cambria Math" panose="02040503050406030204" pitchFamily="18" charset="0"/>
+                              </a:rPr>
+                            </m:ctrlPr>
+                          </m:dPr>
+                          <m:e>
+                            <m:sSub>
+                              <m:sSubPr>
+                                <m:ctrlPr>
+                                  <a:rPr lang="de-DE" sz="1700" i="1">
+                                    <a:latin typeface="Cambria Math" panose="02040503050406030204" pitchFamily="18" charset="0"/>
+                                  </a:rPr>
+                                </m:ctrlPr>
+                              </m:sSubPr>
+                              <m:e>
+                                <m:r>
+                                  <a:rPr lang="de-DE" sz="1700" i="1">
+                                    <a:latin typeface="Cambria Math" panose="02040503050406030204" pitchFamily="18" charset="0"/>
+                                  </a:rPr>
+                                  <m:t>𝜇</m:t>
+                                </m:r>
+                              </m:e>
+                              <m:sub>
+                                <m:r>
+                                  <a:rPr lang="de-DE" sz="1700" i="1">
+                                    <a:latin typeface="Cambria Math" panose="02040503050406030204" pitchFamily="18" charset="0"/>
+                                  </a:rPr>
+                                  <m:t>2</m:t>
+                                </m:r>
+                              </m:sub>
+                            </m:sSub>
+                            <m:r>
+                              <a:rPr lang="de-DE" sz="1700" i="1">
+                                <a:latin typeface="Cambria Math" panose="02040503050406030204" pitchFamily="18" charset="0"/>
+                              </a:rPr>
+                              <m:t>,</m:t>
+                            </m:r>
+                            <m:sSup>
+                              <m:sSupPr>
+                                <m:ctrlPr>
+                                  <a:rPr lang="de-DE" sz="1700" i="1">
+                                    <a:latin typeface="Cambria Math" panose="02040503050406030204" pitchFamily="18" charset="0"/>
+                                  </a:rPr>
+                                </m:ctrlPr>
+                              </m:sSupPr>
+                              <m:e>
+                                <m:r>
+                                  <a:rPr lang="de-DE" sz="1700" i="1">
+                                    <a:latin typeface="Cambria Math" panose="02040503050406030204" pitchFamily="18" charset="0"/>
+                                  </a:rPr>
+                                  <m:t>𝜎</m:t>
+                                </m:r>
+                              </m:e>
+                              <m:sup>
+                                <m:r>
+                                  <a:rPr lang="de-DE" sz="1700" i="1">
+                                    <a:latin typeface="Cambria Math" panose="02040503050406030204" pitchFamily="18" charset="0"/>
+                                  </a:rPr>
+                                  <m:t>2</m:t>
+                                </m:r>
+                              </m:sup>
+                            </m:sSup>
+                          </m:e>
+                        </m:d>
+                        <m:r>
+                          <a:rPr lang="de-DE" sz="1700" i="1">
+                            <a:latin typeface="Cambria Math" panose="02040503050406030204" pitchFamily="18" charset="0"/>
+                          </a:rPr>
+                          <m:t>, </m:t>
+                        </m:r>
+                        <m:r>
+                          <a:rPr lang="de-DE" sz="1700" i="1">
+                            <a:latin typeface="Cambria Math" panose="02040503050406030204" pitchFamily="18" charset="0"/>
+                          </a:rPr>
+                          <m:t>𝑗</m:t>
+                        </m:r>
+                        <m:r>
+                          <a:rPr lang="de-DE" sz="1700" i="1">
+                            <a:latin typeface="Cambria Math" panose="02040503050406030204" pitchFamily="18" charset="0"/>
+                          </a:rPr>
+                          <m:t>=1,…,</m:t>
+                        </m:r>
+                        <m:sSub>
+                          <m:sSubPr>
+                            <m:ctrlPr>
+                              <a:rPr lang="de-DE" sz="1700" i="1">
+                                <a:latin typeface="Cambria Math" panose="02040503050406030204" pitchFamily="18" charset="0"/>
+                              </a:rPr>
+                            </m:ctrlPr>
+                          </m:sSubPr>
+                          <m:e>
+                            <m:r>
+                              <a:rPr lang="de-DE" sz="1700" i="1">
+                                <a:latin typeface="Cambria Math" panose="02040503050406030204" pitchFamily="18" charset="0"/>
+                              </a:rPr>
+                              <m:t>𝑛</m:t>
+                            </m:r>
+                          </m:e>
+                          <m:sub>
+                            <m:r>
+                              <a:rPr lang="de-DE" sz="1700" i="1">
+                                <a:latin typeface="Cambria Math" panose="02040503050406030204" pitchFamily="18" charset="0"/>
+                              </a:rPr>
+                              <m:t>2</m:t>
+                            </m:r>
+                          </m:sub>
+                        </m:sSub>
+                      </m:oMath>
+                    </m:oMathPara>
+                  </a14:m>
+                  <a:endParaRPr lang="de-DE" sz="1700" dirty="0"/>
+                </a:p>
+              </p:txBody>
+            </p:sp>
+          </mc:Choice>
+          <mc:Fallback xmlns="">
+            <p:sp>
+              <p:nvSpPr>
+                <p:cNvPr id="30" name="TextBox 29">
+                  <a:extLst>
+                    <a:ext uri="{FF2B5EF4-FFF2-40B4-BE49-F238E27FC236}">
+                      <a16:creationId xmlns:a16="http://schemas.microsoft.com/office/drawing/2014/main" id="{BC5FD6DC-885A-455C-A5D4-549616E44FB8}"/>
+                    </a:ext>
+                  </a:extLst>
+                </p:cNvPr>
+                <p:cNvSpPr txBox="1">
+                  <a:spLocks noRot="1" noChangeAspect="1" noMove="1" noResize="1" noEditPoints="1" noAdjustHandles="1" noChangeArrowheads="1" noChangeShapeType="1" noTextEdit="1"/>
+                </p:cNvSpPr>
+                <p:nvPr/>
+              </p:nvSpPr>
+              <p:spPr>
+                <a:xfrm>
+                  <a:off x="1042051" y="3852718"/>
+                  <a:ext cx="2668616" cy="287836"/>
+                </a:xfrm>
+                <a:prstGeom prst="rect">
+                  <a:avLst/>
+                </a:prstGeom>
+                <a:blipFill>
+                  <a:blip r:embed="rId4"/>
+                  <a:stretch>
+                    <a:fillRect l="-1602" r="-229" b="-22917"/>
+                  </a:stretch>
+                </a:blipFill>
+              </p:spPr>
+              <p:txBody>
+                <a:bodyPr/>
+                <a:lstStyle/>
+                <a:p>
+                  <a:r>
+                    <a:rPr lang="de-DE">
+                      <a:noFill/>
+                    </a:rPr>
+                    <a:t> </a:t>
+                  </a:r>
+                </a:p>
+              </p:txBody>
+            </p:sp>
+          </mc:Fallback>
+        </mc:AlternateContent>
+        <p:pic>
+          <p:nvPicPr>
+            <p:cNvPr id="11" name="Picture 10" descr="A group of people sitting in chairs&#10;&#10;Description automatically generated with low confidence">
+              <a:extLst>
+                <a:ext uri="{FF2B5EF4-FFF2-40B4-BE49-F238E27FC236}">
+                  <a16:creationId xmlns:a16="http://schemas.microsoft.com/office/drawing/2014/main" id="{1CD5DBC4-D38B-4F29-8EC2-1332B55E9318}"/>
+                </a:ext>
+              </a:extLst>
+            </p:cNvPr>
+            <p:cNvPicPr>
+              <a:picLocks noChangeAspect="1"/>
+            </p:cNvPicPr>
+            <p:nvPr/>
+          </p:nvPicPr>
+          <p:blipFill>
+            <a:blip r:embed="rId5">
+              <a:grayscl/>
+              <a:extLst>
+                <a:ext uri="{28A0092B-C50C-407E-A947-70E740481C1C}">
+                  <a14:useLocalDpi xmlns:a14="http://schemas.microsoft.com/office/drawing/2010/main" val="0"/>
+                </a:ext>
+              </a:extLst>
+            </a:blip>
+            <a:stretch>
+              <a:fillRect/>
+            </a:stretch>
+          </p:blipFill>
+          <p:spPr>
+            <a:xfrm>
+              <a:off x="5242274" y="2754334"/>
+              <a:ext cx="2512776" cy="904068"/>
+            </a:xfrm>
+            <a:prstGeom prst="rect">
+              <a:avLst/>
+            </a:prstGeom>
+          </p:spPr>
+        </p:pic>
+        <p:pic>
+          <p:nvPicPr>
+            <p:cNvPr id="15" name="Picture 14" descr="Table&#10;&#10;Description automatically generated">
+              <a:extLst>
+                <a:ext uri="{FF2B5EF4-FFF2-40B4-BE49-F238E27FC236}">
+                  <a16:creationId xmlns:a16="http://schemas.microsoft.com/office/drawing/2014/main" id="{51CD678D-C390-4D9F-A03B-BF348ABD6A28}"/>
+                </a:ext>
+              </a:extLst>
+            </p:cNvPr>
+            <p:cNvPicPr>
+              <a:picLocks noChangeAspect="1"/>
+            </p:cNvPicPr>
+            <p:nvPr/>
+          </p:nvPicPr>
+          <p:blipFill>
+            <a:blip r:embed="rId6">
+              <a:extLst>
+                <a:ext uri="{28A0092B-C50C-407E-A947-70E740481C1C}">
+                  <a14:useLocalDpi xmlns:a14="http://schemas.microsoft.com/office/drawing/2010/main" val="0"/>
+                </a:ext>
+              </a:extLst>
+            </a:blip>
+            <a:stretch>
+              <a:fillRect/>
+            </a:stretch>
+          </p:blipFill>
+          <p:spPr>
+            <a:xfrm>
+              <a:off x="6354819" y="3495984"/>
+              <a:ext cx="1895351" cy="1360699"/>
+            </a:xfrm>
+            <a:prstGeom prst="rect">
+              <a:avLst/>
+            </a:prstGeom>
+          </p:spPr>
+        </p:pic>
+        <p:sp>
+          <p:nvSpPr>
+            <p:cNvPr id="47" name="Rectangle 46">
+              <a:extLst>
+                <a:ext uri="{FF2B5EF4-FFF2-40B4-BE49-F238E27FC236}">
+                  <a16:creationId xmlns:a16="http://schemas.microsoft.com/office/drawing/2014/main" id="{F2F4ABD0-154E-4098-802B-A7C3E1295C9C}"/>
                 </a:ext>
               </a:extLst>
             </p:cNvPr>
@@ -3264,14 +4398,16 @@
           </p:nvSpPr>
           <p:spPr>
             <a:xfrm>
-              <a:off x="2608226" y="1784343"/>
-              <a:ext cx="3788509" cy="2910980"/>
+              <a:off x="5338759" y="2777386"/>
+              <a:ext cx="3033454" cy="2079297"/>
             </a:xfrm>
             <a:prstGeom prst="rect">
               <a:avLst/>
             </a:prstGeom>
             <a:solidFill>
-              <a:schemeClr val="bg1"/>
+              <a:schemeClr val="bg1">
+                <a:alpha val="50000"/>
+              </a:schemeClr>
             </a:solidFill>
             <a:ln>
               <a:solidFill>
@@ -3300,1175 +4436,94 @@
             <a:lstStyle/>
             <a:p>
               <a:pPr algn="ctr"/>
-              <a:endParaRPr lang="de-DE"/>
+              <a:endParaRPr lang="de-DE" dirty="0"/>
             </a:p>
           </p:txBody>
         </p:sp>
         <p:sp>
           <p:nvSpPr>
-            <p:cNvPr id="6" name="Right Triangle 5">
+            <p:cNvPr id="29" name="TextBox 28">
               <a:extLst>
                 <a:ext uri="{FF2B5EF4-FFF2-40B4-BE49-F238E27FC236}">
-                  <a16:creationId xmlns:a16="http://schemas.microsoft.com/office/drawing/2014/main" id="{046DA639-B137-42BC-82EA-D64380FF0D5D}"/>
+                  <a16:creationId xmlns:a16="http://schemas.microsoft.com/office/drawing/2014/main" id="{5A166026-EAA4-4AA7-AB70-16D85C54B6C0}"/>
                 </a:ext>
               </a:extLst>
             </p:cNvPr>
-            <p:cNvSpPr/>
+            <p:cNvSpPr txBox="1"/>
             <p:nvPr/>
           </p:nvSpPr>
           <p:spPr>
             <a:xfrm>
-              <a:off x="3196205" y="1687870"/>
-              <a:ext cx="192946" cy="192946"/>
+              <a:off x="4283700" y="3408248"/>
+              <a:ext cx="4712316" cy="584775"/>
             </a:xfrm>
-            <a:prstGeom prst="rtTriangle">
+            <a:prstGeom prst="rect">
               <a:avLst/>
             </a:prstGeom>
-            <a:solidFill>
-              <a:schemeClr val="tx1"/>
-            </a:solidFill>
-            <a:ln>
-              <a:solidFill>
-                <a:schemeClr val="bg1"/>
-              </a:solidFill>
-            </a:ln>
+            <a:noFill/>
           </p:spPr>
-          <p:style>
-            <a:lnRef idx="2">
-              <a:schemeClr val="accent1">
-                <a:shade val="50000"/>
-              </a:schemeClr>
-            </a:lnRef>
-            <a:fillRef idx="1">
-              <a:schemeClr val="accent1"/>
-            </a:fillRef>
-            <a:effectRef idx="0">
-              <a:schemeClr val="accent1"/>
-            </a:effectRef>
-            <a:fontRef idx="minor">
-              <a:schemeClr val="lt1"/>
-            </a:fontRef>
-          </p:style>
           <p:txBody>
-            <a:bodyPr rtlCol="0" anchor="ctr"/>
+            <a:bodyPr wrap="none" rtlCol="0">
+              <a:spAutoFit/>
+            </a:bodyPr>
             <a:lstStyle/>
             <a:p>
               <a:pPr algn="ctr"/>
-              <a:endParaRPr lang="de-DE"/>
+              <a:r>
+                <a:rPr lang="de-DE" sz="1600" dirty="0">
+                  <a:solidFill>
+                    <a:srgbClr val="0070C0"/>
+                  </a:solidFill>
+                </a:rPr>
+                <a:t>Klinische Studie zum Vergleich der Effekte von</a:t>
+              </a:r>
             </a:p>
-          </p:txBody>
-        </p:sp>
-        <p:sp>
-          <p:nvSpPr>
-            <p:cNvPr id="7" name="Right Triangle 6">
-              <a:extLst>
-                <a:ext uri="{FF2B5EF4-FFF2-40B4-BE49-F238E27FC236}">
-                  <a16:creationId xmlns:a16="http://schemas.microsoft.com/office/drawing/2014/main" id="{D4C23F88-B8B9-4DB3-B819-144890DA27AE}"/>
-                </a:ext>
-              </a:extLst>
-            </p:cNvPr>
-            <p:cNvSpPr/>
-            <p:nvPr/>
-          </p:nvSpPr>
-          <p:spPr>
-            <a:xfrm rot="10800000">
-              <a:off x="5610413" y="4608508"/>
-              <a:ext cx="192946" cy="192946"/>
-            </a:xfrm>
-            <a:prstGeom prst="rtTriangle">
-              <a:avLst/>
-            </a:prstGeom>
-            <a:solidFill>
-              <a:schemeClr val="tx1"/>
-            </a:solidFill>
-            <a:ln>
-              <a:solidFill>
-                <a:schemeClr val="bg1"/>
-              </a:solidFill>
-            </a:ln>
-          </p:spPr>
-          <p:style>
-            <a:lnRef idx="2">
-              <a:schemeClr val="accent1">
-                <a:shade val="50000"/>
-              </a:schemeClr>
-            </a:lnRef>
-            <a:fillRef idx="1">
-              <a:schemeClr val="accent1"/>
-            </a:fillRef>
-            <a:effectRef idx="0">
-              <a:schemeClr val="accent1"/>
-            </a:effectRef>
-            <a:fontRef idx="minor">
-              <a:schemeClr val="lt1"/>
-            </a:fontRef>
-          </p:style>
-          <p:txBody>
-            <a:bodyPr rtlCol="0" anchor="ctr"/>
-            <a:lstStyle/>
             <a:p>
               <a:pPr algn="ctr"/>
-              <a:endParaRPr lang="de-DE"/>
+              <a:r>
+                <a:rPr lang="de-DE" sz="1600" dirty="0">
+                  <a:solidFill>
+                    <a:srgbClr val="0070C0"/>
+                  </a:solidFill>
+                </a:rPr>
+                <a:t>Face-</a:t>
+              </a:r>
+              <a:r>
+                <a:rPr lang="de-DE" sz="1600" dirty="0" err="1">
+                  <a:solidFill>
+                    <a:srgbClr val="0070C0"/>
+                  </a:solidFill>
+                </a:rPr>
+                <a:t>To</a:t>
+              </a:r>
+              <a:r>
+                <a:rPr lang="de-DE" sz="1600" dirty="0">
+                  <a:solidFill>
+                    <a:srgbClr val="0070C0"/>
+                  </a:solidFill>
+                </a:rPr>
+                <a:t>-Face und Online </a:t>
+              </a:r>
+              <a:r>
+                <a:rPr lang="de-DE" sz="1600" dirty="0" err="1">
+                  <a:solidFill>
+                    <a:srgbClr val="0070C0"/>
+                  </a:solidFill>
+                </a:rPr>
+                <a:t>Psychothrapie</a:t>
+              </a:r>
+              <a:r>
+                <a:rPr lang="de-DE" sz="1600" dirty="0">
+                  <a:solidFill>
+                    <a:srgbClr val="0070C0"/>
+                  </a:solidFill>
+                </a:rPr>
+                <a:t> bei Depression</a:t>
+              </a:r>
             </a:p>
           </p:txBody>
         </p:sp>
       </p:grpSp>
-      <p:sp>
-        <p:nvSpPr>
-          <p:cNvPr id="10" name="TextBox 9">
-            <a:extLst>
-              <a:ext uri="{FF2B5EF4-FFF2-40B4-BE49-F238E27FC236}">
-                <a16:creationId xmlns:a16="http://schemas.microsoft.com/office/drawing/2014/main" id="{13305106-1DC6-47FB-8419-153ABFB09606}"/>
-              </a:ext>
-            </a:extLst>
-          </p:cNvPr>
-          <p:cNvSpPr txBox="1"/>
-          <p:nvPr/>
-        </p:nvSpPr>
-        <p:spPr>
-          <a:xfrm>
-            <a:off x="6045785" y="1705456"/>
-            <a:ext cx="1438214" cy="553998"/>
-          </a:xfrm>
-          <a:prstGeom prst="rect">
-            <a:avLst/>
-          </a:prstGeom>
-          <a:noFill/>
-        </p:spPr>
-        <p:txBody>
-          <a:bodyPr wrap="none" rtlCol="0">
-            <a:spAutoFit/>
-          </a:bodyPr>
-          <a:lstStyle/>
-          <a:p>
-            <a:r>
-              <a:rPr lang="de-DE" sz="3000" dirty="0">
-                <a:latin typeface="CMU Sans Serif" panose="02000603000000000000" pitchFamily="2" charset="0"/>
-                <a:ea typeface="CMU Sans Serif" panose="02000603000000000000" pitchFamily="2" charset="0"/>
-                <a:cs typeface="CMU Sans Serif" panose="02000603000000000000" pitchFamily="2" charset="0"/>
-              </a:rPr>
-              <a:t>Realität</a:t>
-            </a:r>
-          </a:p>
-        </p:txBody>
-      </p:sp>
-      <p:sp>
-        <p:nvSpPr>
-          <p:cNvPr id="12" name="Cloud 11">
-            <a:extLst>
-              <a:ext uri="{FF2B5EF4-FFF2-40B4-BE49-F238E27FC236}">
-                <a16:creationId xmlns:a16="http://schemas.microsoft.com/office/drawing/2014/main" id="{6FC897C2-999C-4CA0-88AA-F2E0AD9A04E0}"/>
-              </a:ext>
-            </a:extLst>
-          </p:cNvPr>
-          <p:cNvSpPr/>
-          <p:nvPr/>
-        </p:nvSpPr>
-        <p:spPr>
-          <a:xfrm>
-            <a:off x="512841" y="2101236"/>
-            <a:ext cx="3624044" cy="2929686"/>
-          </a:xfrm>
-          <a:prstGeom prst="cloud">
-            <a:avLst/>
-          </a:prstGeom>
-          <a:blipFill>
-            <a:blip r:embed="rId2">
-              <a:duotone>
-                <a:schemeClr val="accent3">
-                  <a:shade val="45000"/>
-                  <a:satMod val="135000"/>
-                </a:schemeClr>
-                <a:prstClr val="white"/>
-              </a:duotone>
-            </a:blip>
-            <a:tile tx="0" ty="0" sx="100000" sy="100000" flip="none" algn="tl"/>
-          </a:blipFill>
-          <a:ln>
-            <a:noFill/>
-          </a:ln>
-          <a:effectLst>
-            <a:softEdge rad="127000"/>
-          </a:effectLst>
-        </p:spPr>
-        <p:style>
-          <a:lnRef idx="2">
-            <a:schemeClr val="accent1">
-              <a:shade val="50000"/>
-            </a:schemeClr>
-          </a:lnRef>
-          <a:fillRef idx="1">
-            <a:schemeClr val="accent1"/>
-          </a:fillRef>
-          <a:effectRef idx="0">
-            <a:schemeClr val="accent1"/>
-          </a:effectRef>
-          <a:fontRef idx="minor">
-            <a:schemeClr val="lt1"/>
-          </a:fontRef>
-        </p:style>
-        <p:txBody>
-          <a:bodyPr rtlCol="0" anchor="ctr"/>
-          <a:lstStyle/>
-          <a:p>
-            <a:pPr algn="ctr"/>
-            <a:endParaRPr lang="LID4096" dirty="0">
-              <a:latin typeface="CMU Sans Serif" panose="02000603000000000000" pitchFamily="2" charset="0"/>
-              <a:ea typeface="CMU Sans Serif" panose="02000603000000000000" pitchFamily="2" charset="0"/>
-              <a:cs typeface="CMU Sans Serif" panose="02000603000000000000" pitchFamily="2" charset="0"/>
-            </a:endParaRPr>
-          </a:p>
-        </p:txBody>
-      </p:sp>
-      <p:sp>
-        <p:nvSpPr>
-          <p:cNvPr id="13" name="TextBox 12">
-            <a:extLst>
-              <a:ext uri="{FF2B5EF4-FFF2-40B4-BE49-F238E27FC236}">
-                <a16:creationId xmlns:a16="http://schemas.microsoft.com/office/drawing/2014/main" id="{20C00251-5025-4EF5-8399-8B2EBFFC145E}"/>
-              </a:ext>
-            </a:extLst>
-          </p:cNvPr>
-          <p:cNvSpPr txBox="1"/>
-          <p:nvPr/>
-        </p:nvSpPr>
-        <p:spPr>
-          <a:xfrm>
-            <a:off x="1012476" y="2975961"/>
-            <a:ext cx="2722220" cy="369332"/>
-          </a:xfrm>
-          <a:prstGeom prst="rect">
-            <a:avLst/>
-          </a:prstGeom>
-          <a:noFill/>
-        </p:spPr>
-        <p:txBody>
-          <a:bodyPr wrap="none" rtlCol="0">
-            <a:spAutoFit/>
-          </a:bodyPr>
-          <a:lstStyle/>
-          <a:p>
-            <a:r>
-              <a:rPr lang="de-DE" dirty="0">
-                <a:latin typeface="CMU Sans Serif" panose="02000603000000000000" pitchFamily="2" charset="0"/>
-                <a:ea typeface="CMU Sans Serif" panose="02000603000000000000" pitchFamily="2" charset="0"/>
-                <a:cs typeface="CMU Sans Serif" panose="02000603000000000000" pitchFamily="2" charset="0"/>
-              </a:rPr>
-              <a:t>Wahrscheinlichkeitstheorie</a:t>
-            </a:r>
-          </a:p>
-        </p:txBody>
-      </p:sp>
-      <p:sp>
-        <p:nvSpPr>
-          <p:cNvPr id="19" name="TextBox 18">
-            <a:extLst>
-              <a:ext uri="{FF2B5EF4-FFF2-40B4-BE49-F238E27FC236}">
-                <a16:creationId xmlns:a16="http://schemas.microsoft.com/office/drawing/2014/main" id="{074E93DD-5B71-40FF-B9D4-3FC68E89DFF2}"/>
-              </a:ext>
-            </a:extLst>
-          </p:cNvPr>
-          <p:cNvSpPr txBox="1"/>
-          <p:nvPr/>
-        </p:nvSpPr>
-        <p:spPr>
-          <a:xfrm>
-            <a:off x="521645" y="408156"/>
-            <a:ext cx="8147071" cy="584775"/>
-          </a:xfrm>
-          <a:prstGeom prst="rect">
-            <a:avLst/>
-          </a:prstGeom>
-          <a:noFill/>
-        </p:spPr>
-        <p:txBody>
-          <a:bodyPr wrap="square" rtlCol="0">
-            <a:spAutoFit/>
-          </a:bodyPr>
-          <a:lstStyle/>
-          <a:p>
-            <a:pPr algn="ctr"/>
-            <a:r>
-              <a:rPr lang="de-DE" sz="1600" dirty="0">
-                <a:latin typeface="CMU Sans Serif" panose="02000603000000000000" pitchFamily="2" charset="0"/>
-                <a:ea typeface="CMU Sans Serif" panose="02000603000000000000" pitchFamily="2" charset="0"/>
-                <a:cs typeface="CMU Sans Serif" panose="02000603000000000000" pitchFamily="2" charset="0"/>
-              </a:rPr>
-              <a:t>Wir nehmen an, dass die BDI Scores der </a:t>
-            </a:r>
-            <a:r>
-              <a:rPr lang="de-DE" sz="1600" dirty="0" err="1">
-                <a:latin typeface="CMU Sans Serif" panose="02000603000000000000" pitchFamily="2" charset="0"/>
-                <a:ea typeface="CMU Sans Serif" panose="02000603000000000000" pitchFamily="2" charset="0"/>
-                <a:cs typeface="CMU Sans Serif" panose="02000603000000000000" pitchFamily="2" charset="0"/>
-              </a:rPr>
-              <a:t>Proband:innen</a:t>
-            </a:r>
-            <a:r>
-              <a:rPr lang="de-DE" sz="1600" dirty="0">
-                <a:latin typeface="CMU Sans Serif" panose="02000603000000000000" pitchFamily="2" charset="0"/>
-                <a:ea typeface="CMU Sans Serif" panose="02000603000000000000" pitchFamily="2" charset="0"/>
-                <a:cs typeface="CMU Sans Serif" panose="02000603000000000000" pitchFamily="2" charset="0"/>
-              </a:rPr>
-              <a:t> Realisierungen</a:t>
-            </a:r>
-          </a:p>
-          <a:p>
-            <a:pPr algn="ctr"/>
-            <a:r>
-              <a:rPr lang="de-DE" sz="1600" b="1" dirty="0">
-                <a:latin typeface="CMU Sans Serif" panose="02000603000000000000" pitchFamily="2" charset="0"/>
-                <a:ea typeface="CMU Sans Serif" panose="02000603000000000000" pitchFamily="2" charset="0"/>
-                <a:cs typeface="CMU Sans Serif" panose="02000603000000000000" pitchFamily="2" charset="0"/>
-              </a:rPr>
-              <a:t>unabhängiger und identisch</a:t>
-            </a:r>
-            <a:r>
-              <a:rPr lang="de-DE" sz="1600" dirty="0">
-                <a:latin typeface="CMU Sans Serif" panose="02000603000000000000" pitchFamily="2" charset="0"/>
-                <a:ea typeface="CMU Sans Serif" panose="02000603000000000000" pitchFamily="2" charset="0"/>
-                <a:cs typeface="CMU Sans Serif" panose="02000603000000000000" pitchFamily="2" charset="0"/>
-              </a:rPr>
-              <a:t> normalverteilter Zufallsvariablen sind.</a:t>
-            </a:r>
-          </a:p>
-        </p:txBody>
-      </p:sp>
-      <p:sp>
-        <p:nvSpPr>
-          <p:cNvPr id="20" name="TextBox 19">
-            <a:extLst>
-              <a:ext uri="{FF2B5EF4-FFF2-40B4-BE49-F238E27FC236}">
-                <a16:creationId xmlns:a16="http://schemas.microsoft.com/office/drawing/2014/main" id="{2F69F9A2-AF6B-4647-9D4D-F1D8EFF90738}"/>
-              </a:ext>
-            </a:extLst>
-          </p:cNvPr>
-          <p:cNvSpPr txBox="1"/>
-          <p:nvPr/>
-        </p:nvSpPr>
-        <p:spPr>
-          <a:xfrm>
-            <a:off x="3843212" y="4950933"/>
-            <a:ext cx="1503938" cy="400110"/>
-          </a:xfrm>
-          <a:prstGeom prst="rect">
-            <a:avLst/>
-          </a:prstGeom>
-          <a:noFill/>
-        </p:spPr>
-        <p:txBody>
-          <a:bodyPr wrap="none" rtlCol="0">
-            <a:spAutoFit/>
-          </a:bodyPr>
-          <a:lstStyle/>
-          <a:p>
-            <a:r>
-              <a:rPr lang="de-DE" sz="2000" dirty="0">
-                <a:latin typeface="CMU Sans Serif" panose="02000603000000000000" pitchFamily="2" charset="0"/>
-                <a:ea typeface="CMU Sans Serif" panose="02000603000000000000" pitchFamily="2" charset="0"/>
-                <a:cs typeface="CMU Sans Serif" panose="02000603000000000000" pitchFamily="2" charset="0"/>
-              </a:rPr>
-              <a:t>Vorhersagen</a:t>
-            </a:r>
-          </a:p>
-        </p:txBody>
-      </p:sp>
-      <p:sp>
-        <p:nvSpPr>
-          <p:cNvPr id="9" name="TextBox 8">
-            <a:extLst>
-              <a:ext uri="{FF2B5EF4-FFF2-40B4-BE49-F238E27FC236}">
-                <a16:creationId xmlns:a16="http://schemas.microsoft.com/office/drawing/2014/main" id="{350C3C8A-6E76-491D-A5B0-066F6F5F67A9}"/>
-              </a:ext>
-            </a:extLst>
-          </p:cNvPr>
-          <p:cNvSpPr txBox="1"/>
-          <p:nvPr/>
-        </p:nvSpPr>
-        <p:spPr>
-          <a:xfrm>
-            <a:off x="1609405" y="1707447"/>
-            <a:ext cx="1266693" cy="553998"/>
-          </a:xfrm>
-          <a:prstGeom prst="rect">
-            <a:avLst/>
-          </a:prstGeom>
-          <a:noFill/>
-        </p:spPr>
-        <p:txBody>
-          <a:bodyPr wrap="none" rtlCol="0">
-            <a:spAutoFit/>
-          </a:bodyPr>
-          <a:lstStyle/>
-          <a:p>
-            <a:r>
-              <a:rPr lang="de-DE" sz="3000" dirty="0">
-                <a:latin typeface="CMU Sans Serif" panose="02000603000000000000" pitchFamily="2" charset="0"/>
-                <a:ea typeface="CMU Sans Serif" panose="02000603000000000000" pitchFamily="2" charset="0"/>
-                <a:cs typeface="CMU Sans Serif" panose="02000603000000000000" pitchFamily="2" charset="0"/>
-              </a:rPr>
-              <a:t>Modell</a:t>
-            </a:r>
-          </a:p>
-        </p:txBody>
-      </p:sp>
-      <p:sp>
-        <p:nvSpPr>
-          <p:cNvPr id="45" name="TextBox 44">
-            <a:extLst>
-              <a:ext uri="{FF2B5EF4-FFF2-40B4-BE49-F238E27FC236}">
-                <a16:creationId xmlns:a16="http://schemas.microsoft.com/office/drawing/2014/main" id="{F4D97138-3D1C-41A5-BF6E-FDA09C893B61}"/>
-              </a:ext>
-            </a:extLst>
-          </p:cNvPr>
-          <p:cNvSpPr txBox="1"/>
-          <p:nvPr/>
-        </p:nvSpPr>
-        <p:spPr>
-          <a:xfrm>
-            <a:off x="3813557" y="1301740"/>
-            <a:ext cx="1563248" cy="400110"/>
-          </a:xfrm>
-          <a:prstGeom prst="rect">
-            <a:avLst/>
-          </a:prstGeom>
-          <a:noFill/>
-        </p:spPr>
-        <p:txBody>
-          <a:bodyPr wrap="none" rtlCol="0">
-            <a:spAutoFit/>
-          </a:bodyPr>
-          <a:lstStyle/>
-          <a:p>
-            <a:r>
-              <a:rPr lang="de-DE" sz="2000" dirty="0">
-                <a:latin typeface="CMU Sans Serif" panose="02000603000000000000" pitchFamily="2" charset="0"/>
-                <a:ea typeface="CMU Sans Serif" panose="02000603000000000000" pitchFamily="2" charset="0"/>
-                <a:cs typeface="CMU Sans Serif" panose="02000603000000000000" pitchFamily="2" charset="0"/>
-              </a:rPr>
-              <a:t>Modellierung</a:t>
-            </a:r>
-          </a:p>
-        </p:txBody>
-      </p:sp>
-      <p:sp>
-        <p:nvSpPr>
-          <p:cNvPr id="46" name="TextBox 45">
-            <a:extLst>
-              <a:ext uri="{FF2B5EF4-FFF2-40B4-BE49-F238E27FC236}">
-                <a16:creationId xmlns:a16="http://schemas.microsoft.com/office/drawing/2014/main" id="{9129DFE1-F9D8-4A7E-8CC6-6E7115347018}"/>
-              </a:ext>
-            </a:extLst>
-          </p:cNvPr>
-          <p:cNvSpPr txBox="1"/>
-          <p:nvPr/>
-        </p:nvSpPr>
-        <p:spPr>
-          <a:xfrm>
-            <a:off x="6045785" y="2447532"/>
-            <a:ext cx="1582484" cy="374461"/>
-          </a:xfrm>
-          <a:prstGeom prst="rect">
-            <a:avLst/>
-          </a:prstGeom>
-          <a:noFill/>
-        </p:spPr>
-        <p:txBody>
-          <a:bodyPr wrap="none" rtlCol="0">
-            <a:spAutoFit/>
-          </a:bodyPr>
-          <a:lstStyle/>
-          <a:p>
-            <a:pPr algn="ctr">
-              <a:lnSpc>
-                <a:spcPts val="2160"/>
-              </a:lnSpc>
-            </a:pPr>
-            <a:r>
-              <a:rPr lang="de-DE" dirty="0">
-                <a:latin typeface="CMU Sans Serif" panose="02000603000000000000" pitchFamily="2" charset="0"/>
-                <a:ea typeface="CMU Sans Serif" panose="02000603000000000000" pitchFamily="2" charset="0"/>
-                <a:cs typeface="CMU Sans Serif" panose="02000603000000000000" pitchFamily="2" charset="0"/>
-              </a:rPr>
-              <a:t>Zufallsvorgang</a:t>
-            </a:r>
-            <a:endParaRPr lang="de-DE" sz="1600" dirty="0">
-              <a:solidFill>
-                <a:srgbClr val="0070C0"/>
-              </a:solidFill>
-              <a:latin typeface="CMU Sans Serif" panose="02000603000000000000" pitchFamily="2" charset="0"/>
-              <a:ea typeface="CMU Sans Serif" panose="02000603000000000000" pitchFamily="2" charset="0"/>
-              <a:cs typeface="CMU Sans Serif" panose="02000603000000000000" pitchFamily="2" charset="0"/>
-            </a:endParaRPr>
-          </a:p>
-        </p:txBody>
-      </p:sp>
-      <mc:AlternateContent xmlns:mc="http://schemas.openxmlformats.org/markup-compatibility/2006">
-        <mc:Choice xmlns:a14="http://schemas.microsoft.com/office/drawing/2010/main" Requires="a14">
-          <p:sp>
-            <p:nvSpPr>
-              <p:cNvPr id="2" name="TextBox 1">
-                <a:extLst>
-                  <a:ext uri="{FF2B5EF4-FFF2-40B4-BE49-F238E27FC236}">
-                    <a16:creationId xmlns:a16="http://schemas.microsoft.com/office/drawing/2014/main" id="{E1F6FFA3-5F72-4AE9-8925-187E1A9305BF}"/>
-                  </a:ext>
-                </a:extLst>
-              </p:cNvPr>
-              <p:cNvSpPr txBox="1"/>
-              <p:nvPr/>
-            </p:nvSpPr>
-            <p:spPr>
-              <a:xfrm>
-                <a:off x="1118563" y="3506993"/>
-                <a:ext cx="2510046" cy="270972"/>
-              </a:xfrm>
-              <a:prstGeom prst="rect">
-                <a:avLst/>
-              </a:prstGeom>
-              <a:noFill/>
-            </p:spPr>
-            <p:txBody>
-              <a:bodyPr wrap="none" lIns="0" tIns="0" rIns="0" bIns="0" rtlCol="0">
-                <a:spAutoFit/>
-              </a:bodyPr>
-              <a:lstStyle/>
-              <a:p>
-                <a:pPr/>
-                <a14:m>
-                  <m:oMathPara xmlns:m="http://schemas.openxmlformats.org/officeDocument/2006/math">
-                    <m:oMathParaPr>
-                      <m:jc m:val="centerGroup"/>
-                    </m:oMathParaPr>
-                    <m:oMath xmlns:m="http://schemas.openxmlformats.org/officeDocument/2006/math">
-                      <m:sSub>
-                        <m:sSubPr>
-                          <m:ctrlPr>
-                            <a:rPr lang="de-DE" sz="1600" b="0" i="1" smtClean="0">
-                              <a:latin typeface="Cambria Math" panose="02040503050406030204" pitchFamily="18" charset="0"/>
-                            </a:rPr>
-                          </m:ctrlPr>
-                        </m:sSubPr>
-                        <m:e>
-                          <m:r>
-                            <a:rPr lang="de-DE" sz="1600" b="0" i="1" smtClean="0">
-                              <a:latin typeface="Cambria Math" panose="02040503050406030204" pitchFamily="18" charset="0"/>
-                            </a:rPr>
-                            <m:t>𝑋</m:t>
-                          </m:r>
-                        </m:e>
-                        <m:sub>
-                          <m:r>
-                            <a:rPr lang="de-DE" sz="1600" b="0" i="1" smtClean="0">
-                              <a:latin typeface="Cambria Math" panose="02040503050406030204" pitchFamily="18" charset="0"/>
-                            </a:rPr>
-                            <m:t>1</m:t>
-                          </m:r>
-                          <m:r>
-                            <a:rPr lang="de-DE" sz="1600" b="0" i="1" smtClean="0">
-                              <a:latin typeface="Cambria Math" panose="02040503050406030204" pitchFamily="18" charset="0"/>
-                            </a:rPr>
-                            <m:t>𝑗</m:t>
-                          </m:r>
-                        </m:sub>
-                      </m:sSub>
-                      <m:r>
-                        <a:rPr lang="de-DE" sz="1600" b="0" i="1" smtClean="0">
-                          <a:latin typeface="Cambria Math" panose="02040503050406030204" pitchFamily="18" charset="0"/>
-                        </a:rPr>
-                        <m:t>∼</m:t>
-                      </m:r>
-                      <m:r>
-                        <a:rPr lang="de-DE" sz="1600" b="0" i="1" smtClean="0">
-                          <a:latin typeface="Cambria Math" panose="02040503050406030204" pitchFamily="18" charset="0"/>
-                        </a:rPr>
-                        <m:t>𝑁</m:t>
-                      </m:r>
-                      <m:d>
-                        <m:dPr>
-                          <m:ctrlPr>
-                            <a:rPr lang="de-DE" sz="1600" b="0" i="1" smtClean="0">
-                              <a:latin typeface="Cambria Math" panose="02040503050406030204" pitchFamily="18" charset="0"/>
-                            </a:rPr>
-                          </m:ctrlPr>
-                        </m:dPr>
-                        <m:e>
-                          <m:sSub>
-                            <m:sSubPr>
-                              <m:ctrlPr>
-                                <a:rPr lang="de-DE" sz="1600" b="0" i="1" smtClean="0">
-                                  <a:latin typeface="Cambria Math" panose="02040503050406030204" pitchFamily="18" charset="0"/>
-                                </a:rPr>
-                              </m:ctrlPr>
-                            </m:sSubPr>
-                            <m:e>
-                              <m:r>
-                                <a:rPr lang="de-DE" sz="1600" b="0" i="1" smtClean="0">
-                                  <a:latin typeface="Cambria Math" panose="02040503050406030204" pitchFamily="18" charset="0"/>
-                                </a:rPr>
-                                <m:t>𝜇</m:t>
-                              </m:r>
-                            </m:e>
-                            <m:sub>
-                              <m:r>
-                                <a:rPr lang="de-DE" sz="1600" b="0" i="1" smtClean="0">
-                                  <a:latin typeface="Cambria Math" panose="02040503050406030204" pitchFamily="18" charset="0"/>
-                                </a:rPr>
-                                <m:t>1</m:t>
-                              </m:r>
-                            </m:sub>
-                          </m:sSub>
-                          <m:r>
-                            <a:rPr lang="de-DE" sz="1600" b="0" i="1" smtClean="0">
-                              <a:latin typeface="Cambria Math" panose="02040503050406030204" pitchFamily="18" charset="0"/>
-                            </a:rPr>
-                            <m:t>,</m:t>
-                          </m:r>
-                          <m:sSup>
-                            <m:sSupPr>
-                              <m:ctrlPr>
-                                <a:rPr lang="de-DE" sz="1600" b="0" i="1" smtClean="0">
-                                  <a:latin typeface="Cambria Math" panose="02040503050406030204" pitchFamily="18" charset="0"/>
-                                </a:rPr>
-                              </m:ctrlPr>
-                            </m:sSupPr>
-                            <m:e>
-                              <m:r>
-                                <a:rPr lang="de-DE" sz="1600" b="0" i="1" smtClean="0">
-                                  <a:latin typeface="Cambria Math" panose="02040503050406030204" pitchFamily="18" charset="0"/>
-                                </a:rPr>
-                                <m:t>𝜎</m:t>
-                              </m:r>
-                            </m:e>
-                            <m:sup>
-                              <m:r>
-                                <a:rPr lang="de-DE" sz="1600" b="0" i="1" smtClean="0">
-                                  <a:latin typeface="Cambria Math" panose="02040503050406030204" pitchFamily="18" charset="0"/>
-                                </a:rPr>
-                                <m:t>2</m:t>
-                              </m:r>
-                            </m:sup>
-                          </m:sSup>
-                        </m:e>
-                      </m:d>
-                      <m:r>
-                        <a:rPr lang="de-DE" sz="1600" b="0" i="1" smtClean="0">
-                          <a:latin typeface="Cambria Math" panose="02040503050406030204" pitchFamily="18" charset="0"/>
-                        </a:rPr>
-                        <m:t>, </m:t>
-                      </m:r>
-                      <m:r>
-                        <a:rPr lang="de-DE" sz="1600" b="0" i="1" smtClean="0">
-                          <a:latin typeface="Cambria Math" panose="02040503050406030204" pitchFamily="18" charset="0"/>
-                        </a:rPr>
-                        <m:t>𝑗</m:t>
-                      </m:r>
-                      <m:r>
-                        <a:rPr lang="de-DE" sz="1600" b="0" i="1" smtClean="0">
-                          <a:latin typeface="Cambria Math" panose="02040503050406030204" pitchFamily="18" charset="0"/>
-                        </a:rPr>
-                        <m:t>=1,…,</m:t>
-                      </m:r>
-                      <m:sSub>
-                        <m:sSubPr>
-                          <m:ctrlPr>
-                            <a:rPr lang="de-DE" sz="1600" b="0" i="1" smtClean="0">
-                              <a:latin typeface="Cambria Math" panose="02040503050406030204" pitchFamily="18" charset="0"/>
-                            </a:rPr>
-                          </m:ctrlPr>
-                        </m:sSubPr>
-                        <m:e>
-                          <m:r>
-                            <a:rPr lang="de-DE" sz="1600" b="0" i="1" smtClean="0">
-                              <a:latin typeface="Cambria Math" panose="02040503050406030204" pitchFamily="18" charset="0"/>
-                            </a:rPr>
-                            <m:t>𝑛</m:t>
-                          </m:r>
-                        </m:e>
-                        <m:sub>
-                          <m:r>
-                            <a:rPr lang="de-DE" sz="1600" b="0" i="1" smtClean="0">
-                              <a:latin typeface="Cambria Math" panose="02040503050406030204" pitchFamily="18" charset="0"/>
-                            </a:rPr>
-                            <m:t>1</m:t>
-                          </m:r>
-                        </m:sub>
-                      </m:sSub>
-                    </m:oMath>
-                  </m:oMathPara>
-                </a14:m>
-                <a:endParaRPr lang="de-DE" sz="1600" dirty="0"/>
-              </a:p>
-            </p:txBody>
-          </p:sp>
-        </mc:Choice>
-        <mc:Fallback>
-          <p:sp>
-            <p:nvSpPr>
-              <p:cNvPr id="2" name="TextBox 1">
-                <a:extLst>
-                  <a:ext uri="{FF2B5EF4-FFF2-40B4-BE49-F238E27FC236}">
-                    <a16:creationId xmlns:a16="http://schemas.microsoft.com/office/drawing/2014/main" id="{E1F6FFA3-5F72-4AE9-8925-187E1A9305BF}"/>
-                  </a:ext>
-                </a:extLst>
-              </p:cNvPr>
-              <p:cNvSpPr txBox="1">
-                <a:spLocks noRot="1" noChangeAspect="1" noMove="1" noResize="1" noEditPoints="1" noAdjustHandles="1" noChangeArrowheads="1" noChangeShapeType="1" noTextEdit="1"/>
-              </p:cNvSpPr>
-              <p:nvPr/>
-            </p:nvSpPr>
-            <p:spPr>
-              <a:xfrm>
-                <a:off x="1118563" y="3506993"/>
-                <a:ext cx="2510046" cy="270972"/>
-              </a:xfrm>
-              <a:prstGeom prst="rect">
-                <a:avLst/>
-              </a:prstGeom>
-              <a:blipFill>
-                <a:blip r:embed="rId3"/>
-                <a:stretch>
-                  <a:fillRect l="-1214" b="-24444"/>
-                </a:stretch>
-              </a:blipFill>
-            </p:spPr>
-            <p:txBody>
-              <a:bodyPr/>
-              <a:lstStyle/>
-              <a:p>
-                <a:r>
-                  <a:rPr lang="de-DE">
-                    <a:noFill/>
-                  </a:rPr>
-                  <a:t> </a:t>
-                </a:r>
-              </a:p>
-            </p:txBody>
-          </p:sp>
-        </mc:Fallback>
-      </mc:AlternateContent>
-      <mc:AlternateContent xmlns:mc="http://schemas.openxmlformats.org/markup-compatibility/2006">
-        <mc:Choice xmlns:a14="http://schemas.microsoft.com/office/drawing/2010/main" Requires="a14">
-          <p:sp>
-            <p:nvSpPr>
-              <p:cNvPr id="30" name="TextBox 29">
-                <a:extLst>
-                  <a:ext uri="{FF2B5EF4-FFF2-40B4-BE49-F238E27FC236}">
-                    <a16:creationId xmlns:a16="http://schemas.microsoft.com/office/drawing/2014/main" id="{BC5FD6DC-885A-455C-A5D4-549616E44FB8}"/>
-                  </a:ext>
-                </a:extLst>
-              </p:cNvPr>
-              <p:cNvSpPr txBox="1"/>
-              <p:nvPr/>
-            </p:nvSpPr>
-            <p:spPr>
-              <a:xfrm>
-                <a:off x="1102803" y="3925519"/>
-                <a:ext cx="2524281" cy="270972"/>
-              </a:xfrm>
-              <a:prstGeom prst="rect">
-                <a:avLst/>
-              </a:prstGeom>
-              <a:noFill/>
-            </p:spPr>
-            <p:txBody>
-              <a:bodyPr wrap="none" lIns="0" tIns="0" rIns="0" bIns="0" rtlCol="0">
-                <a:spAutoFit/>
-              </a:bodyPr>
-              <a:lstStyle/>
-              <a:p>
-                <a:pPr/>
-                <a14:m>
-                  <m:oMathPara xmlns:m="http://schemas.openxmlformats.org/officeDocument/2006/math">
-                    <m:oMathParaPr>
-                      <m:jc m:val="centerGroup"/>
-                    </m:oMathParaPr>
-                    <m:oMath xmlns:m="http://schemas.openxmlformats.org/officeDocument/2006/math">
-                      <m:sSub>
-                        <m:sSubPr>
-                          <m:ctrlPr>
-                            <a:rPr lang="de-DE" sz="1600" b="0" i="1" smtClean="0">
-                              <a:latin typeface="Cambria Math" panose="02040503050406030204" pitchFamily="18" charset="0"/>
-                            </a:rPr>
-                          </m:ctrlPr>
-                        </m:sSubPr>
-                        <m:e>
-                          <m:r>
-                            <a:rPr lang="de-DE" sz="1600" b="0" i="1" smtClean="0">
-                              <a:latin typeface="Cambria Math" panose="02040503050406030204" pitchFamily="18" charset="0"/>
-                            </a:rPr>
-                            <m:t>𝑋</m:t>
-                          </m:r>
-                        </m:e>
-                        <m:sub>
-                          <m:r>
-                            <a:rPr lang="de-DE" sz="1600" b="0" i="1" smtClean="0">
-                              <a:latin typeface="Cambria Math" panose="02040503050406030204" pitchFamily="18" charset="0"/>
-                            </a:rPr>
-                            <m:t>2</m:t>
-                          </m:r>
-                          <m:r>
-                            <a:rPr lang="de-DE" sz="1600" b="0" i="1" smtClean="0">
-                              <a:latin typeface="Cambria Math" panose="02040503050406030204" pitchFamily="18" charset="0"/>
-                            </a:rPr>
-                            <m:t>𝑗</m:t>
-                          </m:r>
-                        </m:sub>
-                      </m:sSub>
-                      <m:r>
-                        <a:rPr lang="de-DE" sz="1600" b="0" i="1" smtClean="0">
-                          <a:latin typeface="Cambria Math" panose="02040503050406030204" pitchFamily="18" charset="0"/>
-                        </a:rPr>
-                        <m:t>∼</m:t>
-                      </m:r>
-                      <m:r>
-                        <a:rPr lang="de-DE" sz="1600" b="0" i="1" smtClean="0">
-                          <a:latin typeface="Cambria Math" panose="02040503050406030204" pitchFamily="18" charset="0"/>
-                        </a:rPr>
-                        <m:t>𝑁</m:t>
-                      </m:r>
-                      <m:d>
-                        <m:dPr>
-                          <m:ctrlPr>
-                            <a:rPr lang="de-DE" sz="1600" b="0" i="1" smtClean="0">
-                              <a:latin typeface="Cambria Math" panose="02040503050406030204" pitchFamily="18" charset="0"/>
-                            </a:rPr>
-                          </m:ctrlPr>
-                        </m:dPr>
-                        <m:e>
-                          <m:sSub>
-                            <m:sSubPr>
-                              <m:ctrlPr>
-                                <a:rPr lang="de-DE" sz="1600" b="0" i="1" smtClean="0">
-                                  <a:latin typeface="Cambria Math" panose="02040503050406030204" pitchFamily="18" charset="0"/>
-                                </a:rPr>
-                              </m:ctrlPr>
-                            </m:sSubPr>
-                            <m:e>
-                              <m:r>
-                                <a:rPr lang="de-DE" sz="1600" b="0" i="1" smtClean="0">
-                                  <a:latin typeface="Cambria Math" panose="02040503050406030204" pitchFamily="18" charset="0"/>
-                                </a:rPr>
-                                <m:t>𝜇</m:t>
-                              </m:r>
-                            </m:e>
-                            <m:sub>
-                              <m:r>
-                                <a:rPr lang="de-DE" sz="1600" b="0" i="1" smtClean="0">
-                                  <a:latin typeface="Cambria Math" panose="02040503050406030204" pitchFamily="18" charset="0"/>
-                                </a:rPr>
-                                <m:t>2</m:t>
-                              </m:r>
-                            </m:sub>
-                          </m:sSub>
-                          <m:r>
-                            <a:rPr lang="de-DE" sz="1600" b="0" i="1" smtClean="0">
-                              <a:latin typeface="Cambria Math" panose="02040503050406030204" pitchFamily="18" charset="0"/>
-                            </a:rPr>
-                            <m:t>,</m:t>
-                          </m:r>
-                          <m:sSup>
-                            <m:sSupPr>
-                              <m:ctrlPr>
-                                <a:rPr lang="de-DE" sz="1600" b="0" i="1" smtClean="0">
-                                  <a:latin typeface="Cambria Math" panose="02040503050406030204" pitchFamily="18" charset="0"/>
-                                </a:rPr>
-                              </m:ctrlPr>
-                            </m:sSupPr>
-                            <m:e>
-                              <m:r>
-                                <a:rPr lang="de-DE" sz="1600" b="0" i="1" smtClean="0">
-                                  <a:latin typeface="Cambria Math" panose="02040503050406030204" pitchFamily="18" charset="0"/>
-                                </a:rPr>
-                                <m:t>𝜎</m:t>
-                              </m:r>
-                            </m:e>
-                            <m:sup>
-                              <m:r>
-                                <a:rPr lang="de-DE" sz="1600" b="0" i="1" smtClean="0">
-                                  <a:latin typeface="Cambria Math" panose="02040503050406030204" pitchFamily="18" charset="0"/>
-                                </a:rPr>
-                                <m:t>2</m:t>
-                              </m:r>
-                            </m:sup>
-                          </m:sSup>
-                        </m:e>
-                      </m:d>
-                      <m:r>
-                        <a:rPr lang="de-DE" sz="1600" b="0" i="1" smtClean="0">
-                          <a:latin typeface="Cambria Math" panose="02040503050406030204" pitchFamily="18" charset="0"/>
-                        </a:rPr>
-                        <m:t>, </m:t>
-                      </m:r>
-                      <m:r>
-                        <a:rPr lang="de-DE" sz="1600" b="0" i="1" smtClean="0">
-                          <a:latin typeface="Cambria Math" panose="02040503050406030204" pitchFamily="18" charset="0"/>
-                        </a:rPr>
-                        <m:t>𝑗</m:t>
-                      </m:r>
-                      <m:r>
-                        <a:rPr lang="de-DE" sz="1600" b="0" i="1" smtClean="0">
-                          <a:latin typeface="Cambria Math" panose="02040503050406030204" pitchFamily="18" charset="0"/>
-                        </a:rPr>
-                        <m:t>=1,…,</m:t>
-                      </m:r>
-                      <m:sSub>
-                        <m:sSubPr>
-                          <m:ctrlPr>
-                            <a:rPr lang="de-DE" sz="1600" b="0" i="1" smtClean="0">
-                              <a:latin typeface="Cambria Math" panose="02040503050406030204" pitchFamily="18" charset="0"/>
-                            </a:rPr>
-                          </m:ctrlPr>
-                        </m:sSubPr>
-                        <m:e>
-                          <m:r>
-                            <a:rPr lang="de-DE" sz="1600" b="0" i="1" smtClean="0">
-                              <a:latin typeface="Cambria Math" panose="02040503050406030204" pitchFamily="18" charset="0"/>
-                            </a:rPr>
-                            <m:t>𝑛</m:t>
-                          </m:r>
-                        </m:e>
-                        <m:sub>
-                          <m:r>
-                            <a:rPr lang="de-DE" sz="1600" b="0" i="1" smtClean="0">
-                              <a:latin typeface="Cambria Math" panose="02040503050406030204" pitchFamily="18" charset="0"/>
-                            </a:rPr>
-                            <m:t>2</m:t>
-                          </m:r>
-                        </m:sub>
-                      </m:sSub>
-                    </m:oMath>
-                  </m:oMathPara>
-                </a14:m>
-                <a:endParaRPr lang="de-DE" sz="1600" dirty="0"/>
-              </a:p>
-            </p:txBody>
-          </p:sp>
-        </mc:Choice>
-        <mc:Fallback>
-          <p:sp>
-            <p:nvSpPr>
-              <p:cNvPr id="30" name="TextBox 29">
-                <a:extLst>
-                  <a:ext uri="{FF2B5EF4-FFF2-40B4-BE49-F238E27FC236}">
-                    <a16:creationId xmlns:a16="http://schemas.microsoft.com/office/drawing/2014/main" id="{BC5FD6DC-885A-455C-A5D4-549616E44FB8}"/>
-                  </a:ext>
-                </a:extLst>
-              </p:cNvPr>
-              <p:cNvSpPr txBox="1">
-                <a:spLocks noRot="1" noChangeAspect="1" noMove="1" noResize="1" noEditPoints="1" noAdjustHandles="1" noChangeArrowheads="1" noChangeShapeType="1" noTextEdit="1"/>
-              </p:cNvSpPr>
-              <p:nvPr/>
-            </p:nvSpPr>
-            <p:spPr>
-              <a:xfrm>
-                <a:off x="1102803" y="3925519"/>
-                <a:ext cx="2524281" cy="270972"/>
-              </a:xfrm>
-              <a:prstGeom prst="rect">
-                <a:avLst/>
-              </a:prstGeom>
-              <a:blipFill>
-                <a:blip r:embed="rId4"/>
-                <a:stretch>
-                  <a:fillRect l="-1449" r="-242" b="-25000"/>
-                </a:stretch>
-              </a:blipFill>
-            </p:spPr>
-            <p:txBody>
-              <a:bodyPr/>
-              <a:lstStyle/>
-              <a:p>
-                <a:r>
-                  <a:rPr lang="de-DE">
-                    <a:noFill/>
-                  </a:rPr>
-                  <a:t> </a:t>
-                </a:r>
-              </a:p>
-            </p:txBody>
-          </p:sp>
-        </mc:Fallback>
-      </mc:AlternateContent>
-      <p:pic>
-        <p:nvPicPr>
-          <p:cNvPr id="11" name="Picture 10" descr="A group of people sitting in chairs&#10;&#10;Description automatically generated with low confidence">
-            <a:extLst>
-              <a:ext uri="{FF2B5EF4-FFF2-40B4-BE49-F238E27FC236}">
-                <a16:creationId xmlns:a16="http://schemas.microsoft.com/office/drawing/2014/main" id="{1CD5DBC4-D38B-4F29-8EC2-1332B55E9318}"/>
-              </a:ext>
-            </a:extLst>
-          </p:cNvPr>
-          <p:cNvPicPr>
-            <a:picLocks noChangeAspect="1"/>
-          </p:cNvPicPr>
-          <p:nvPr/>
-        </p:nvPicPr>
-        <p:blipFill>
-          <a:blip r:embed="rId5">
-            <a:grayscl/>
-            <a:extLst>
-              <a:ext uri="{28A0092B-C50C-407E-A947-70E740481C1C}">
-                <a14:useLocalDpi xmlns:a14="http://schemas.microsoft.com/office/drawing/2010/main" val="0"/>
-              </a:ext>
-            </a:extLst>
-          </a:blip>
-          <a:stretch>
-            <a:fillRect/>
-          </a:stretch>
-        </p:blipFill>
-        <p:spPr>
-          <a:xfrm>
-            <a:off x="5242274" y="2754334"/>
-            <a:ext cx="2512776" cy="904068"/>
-          </a:xfrm>
-          <a:prstGeom prst="rect">
-            <a:avLst/>
-          </a:prstGeom>
-        </p:spPr>
-      </p:pic>
-      <p:pic>
-        <p:nvPicPr>
-          <p:cNvPr id="15" name="Picture 14" descr="Table&#10;&#10;Description automatically generated">
-            <a:extLst>
-              <a:ext uri="{FF2B5EF4-FFF2-40B4-BE49-F238E27FC236}">
-                <a16:creationId xmlns:a16="http://schemas.microsoft.com/office/drawing/2014/main" id="{51CD678D-C390-4D9F-A03B-BF348ABD6A28}"/>
-              </a:ext>
-            </a:extLst>
-          </p:cNvPr>
-          <p:cNvPicPr>
-            <a:picLocks noChangeAspect="1"/>
-          </p:cNvPicPr>
-          <p:nvPr/>
-        </p:nvPicPr>
-        <p:blipFill>
-          <a:blip r:embed="rId6">
-            <a:extLst>
-              <a:ext uri="{28A0092B-C50C-407E-A947-70E740481C1C}">
-                <a14:useLocalDpi xmlns:a14="http://schemas.microsoft.com/office/drawing/2010/main" val="0"/>
-              </a:ext>
-            </a:extLst>
-          </a:blip>
-          <a:stretch>
-            <a:fillRect/>
-          </a:stretch>
-        </p:blipFill>
-        <p:spPr>
-          <a:xfrm>
-            <a:off x="6354819" y="3495984"/>
-            <a:ext cx="1895351" cy="1360699"/>
-          </a:xfrm>
-          <a:prstGeom prst="rect">
-            <a:avLst/>
-          </a:prstGeom>
-        </p:spPr>
-      </p:pic>
-      <p:sp>
-        <p:nvSpPr>
-          <p:cNvPr id="47" name="Rectangle 46">
-            <a:extLst>
-              <a:ext uri="{FF2B5EF4-FFF2-40B4-BE49-F238E27FC236}">
-                <a16:creationId xmlns:a16="http://schemas.microsoft.com/office/drawing/2014/main" id="{F2F4ABD0-154E-4098-802B-A7C3E1295C9C}"/>
-              </a:ext>
-            </a:extLst>
-          </p:cNvPr>
-          <p:cNvSpPr/>
-          <p:nvPr/>
-        </p:nvSpPr>
-        <p:spPr>
-          <a:xfrm>
-            <a:off x="5338759" y="2777386"/>
-            <a:ext cx="3033454" cy="2079297"/>
-          </a:xfrm>
-          <a:prstGeom prst="rect">
-            <a:avLst/>
-          </a:prstGeom>
-          <a:solidFill>
-            <a:schemeClr val="bg1">
-              <a:alpha val="50000"/>
-            </a:schemeClr>
-          </a:solidFill>
-          <a:ln>
-            <a:solidFill>
-              <a:schemeClr val="bg1"/>
-            </a:solidFill>
-          </a:ln>
-        </p:spPr>
-        <p:style>
-          <a:lnRef idx="2">
-            <a:schemeClr val="accent1">
-              <a:shade val="50000"/>
-            </a:schemeClr>
-          </a:lnRef>
-          <a:fillRef idx="1">
-            <a:schemeClr val="accent1"/>
-          </a:fillRef>
-          <a:effectRef idx="0">
-            <a:schemeClr val="accent1"/>
-          </a:effectRef>
-          <a:fontRef idx="minor">
-            <a:schemeClr val="lt1"/>
-          </a:fontRef>
-        </p:style>
-        <p:txBody>
-          <a:bodyPr rtlCol="0" anchor="ctr"/>
-          <a:lstStyle/>
-          <a:p>
-            <a:pPr algn="ctr"/>
-            <a:endParaRPr lang="de-DE" dirty="0"/>
-          </a:p>
-        </p:txBody>
-      </p:sp>
-      <p:sp>
-        <p:nvSpPr>
-          <p:cNvPr id="29" name="TextBox 28">
-            <a:extLst>
-              <a:ext uri="{FF2B5EF4-FFF2-40B4-BE49-F238E27FC236}">
-                <a16:creationId xmlns:a16="http://schemas.microsoft.com/office/drawing/2014/main" id="{5A166026-EAA4-4AA7-AB70-16D85C54B6C0}"/>
-              </a:ext>
-            </a:extLst>
-          </p:cNvPr>
-          <p:cNvSpPr txBox="1"/>
-          <p:nvPr/>
-        </p:nvSpPr>
-        <p:spPr>
-          <a:xfrm>
-            <a:off x="4834447" y="3370703"/>
-            <a:ext cx="4003980" cy="584775"/>
-          </a:xfrm>
-          <a:prstGeom prst="rect">
-            <a:avLst/>
-          </a:prstGeom>
-          <a:noFill/>
-        </p:spPr>
-        <p:txBody>
-          <a:bodyPr wrap="none" rtlCol="0">
-            <a:spAutoFit/>
-          </a:bodyPr>
-          <a:lstStyle/>
-          <a:p>
-            <a:pPr algn="ctr"/>
-            <a:r>
-              <a:rPr lang="de-DE" sz="1600" dirty="0">
-                <a:solidFill>
-                  <a:srgbClr val="0070C0"/>
-                </a:solidFill>
-              </a:rPr>
-              <a:t>Klinische Studie zum Vergleich der Effekte von</a:t>
-            </a:r>
-          </a:p>
-          <a:p>
-            <a:pPr algn="ctr"/>
-            <a:r>
-              <a:rPr lang="de-DE" sz="1600" dirty="0">
-                <a:solidFill>
-                  <a:srgbClr val="0070C0"/>
-                </a:solidFill>
-              </a:rPr>
-              <a:t>Klassischer und Online PT bei Depression</a:t>
-            </a:r>
-          </a:p>
-        </p:txBody>
-      </p:sp>
     </p:spTree>
     <p:extLst>
       <p:ext uri="{BB962C8B-B14F-4D97-AF65-F5344CB8AC3E}">
